--- a/src/resources/Hybride systeme.pptx
+++ b/src/resources/Hybride systeme.pptx
@@ -5,7 +5,7 @@
     <p:sldMasterId id="2147483678" r:id="rId1"/>
   </p:sldMasterIdLst>
   <p:notesMasterIdLst>
-    <p:notesMasterId r:id="rId22"/>
+    <p:notesMasterId r:id="rId24"/>
   </p:notesMasterIdLst>
   <p:sldIdLst>
     <p:sldId id="256" r:id="rId2"/>
@@ -14,20 +14,22 @@
     <p:sldId id="259" r:id="rId5"/>
     <p:sldId id="261" r:id="rId6"/>
     <p:sldId id="260" r:id="rId7"/>
-    <p:sldId id="262" r:id="rId8"/>
-    <p:sldId id="263" r:id="rId9"/>
-    <p:sldId id="264" r:id="rId10"/>
-    <p:sldId id="265" r:id="rId11"/>
-    <p:sldId id="266" r:id="rId12"/>
-    <p:sldId id="268" r:id="rId13"/>
-    <p:sldId id="269" r:id="rId14"/>
-    <p:sldId id="267" r:id="rId15"/>
-    <p:sldId id="270" r:id="rId16"/>
-    <p:sldId id="271" r:id="rId17"/>
-    <p:sldId id="272" r:id="rId18"/>
-    <p:sldId id="273" r:id="rId19"/>
-    <p:sldId id="274" r:id="rId20"/>
-    <p:sldId id="275" r:id="rId21"/>
+    <p:sldId id="263" r:id="rId8"/>
+    <p:sldId id="276" r:id="rId9"/>
+    <p:sldId id="277" r:id="rId10"/>
+    <p:sldId id="264" r:id="rId11"/>
+    <p:sldId id="265" r:id="rId12"/>
+    <p:sldId id="266" r:id="rId13"/>
+    <p:sldId id="268" r:id="rId14"/>
+    <p:sldId id="269" r:id="rId15"/>
+    <p:sldId id="267" r:id="rId16"/>
+    <p:sldId id="270" r:id="rId17"/>
+    <p:sldId id="278" r:id="rId18"/>
+    <p:sldId id="271" r:id="rId19"/>
+    <p:sldId id="272" r:id="rId20"/>
+    <p:sldId id="273" r:id="rId21"/>
+    <p:sldId id="274" r:id="rId22"/>
+    <p:sldId id="275" r:id="rId23"/>
   </p:sldIdLst>
   <p:sldSz cx="12192000" cy="6858000"/>
   <p:notesSz cx="6858000" cy="9144000"/>
@@ -216,7 +218,7 @@
           <a:p>
             <a:fld id="{13F20173-1CEE-4054-BB7C-9C1FDABACEBE}" type="datetimeFigureOut">
               <a:rPr lang="de-DE" smtClean="0"/>
-              <a:t>29.08.2019</a:t>
+              <a:t>01.09.2019</a:t>
             </a:fld>
             <a:endParaRPr lang="de-DE"/>
           </a:p>
@@ -624,7 +626,7 @@
             </a:r>
             <a:r>
               <a:rPr lang="de-DE" dirty="0"/>
-              <a:t>: Alex</a:t>
+              <a:t>: Jörn</a:t>
             </a:r>
           </a:p>
         </p:txBody>
@@ -646,7 +648,7 @@
           <a:p>
             <a:fld id="{A5F6295B-F36C-480A-867B-5287C881934E}" type="slidenum">
               <a:rPr lang="de-DE" smtClean="0"/>
-              <a:t>13</a:t>
+              <a:t>15</a:t>
             </a:fld>
             <a:endParaRPr lang="de-DE"/>
           </a:p>
@@ -655,7 +657,7 @@
     </p:spTree>
     <p:extLst>
       <p:ext uri="{BB962C8B-B14F-4D97-AF65-F5344CB8AC3E}">
-        <p14:creationId xmlns:p14="http://schemas.microsoft.com/office/powerpoint/2010/main" val="230985345"/>
+        <p14:creationId xmlns:p14="http://schemas.microsoft.com/office/powerpoint/2010/main" val="1246634551"/>
       </p:ext>
     </p:extLst>
   </p:cSld>
@@ -715,7 +717,7 @@
             </a:r>
             <a:r>
               <a:rPr lang="de-DE" dirty="0"/>
-              <a:t>: Jörn</a:t>
+              <a:t>: Alex</a:t>
             </a:r>
           </a:p>
         </p:txBody>
@@ -737,7 +739,7 @@
           <a:p>
             <a:fld id="{A5F6295B-F36C-480A-867B-5287C881934E}" type="slidenum">
               <a:rPr lang="de-DE" smtClean="0"/>
-              <a:t>14</a:t>
+              <a:t>16</a:t>
             </a:fld>
             <a:endParaRPr lang="de-DE"/>
           </a:p>
@@ -746,7 +748,7 @@
     </p:spTree>
     <p:extLst>
       <p:ext uri="{BB962C8B-B14F-4D97-AF65-F5344CB8AC3E}">
-        <p14:creationId xmlns:p14="http://schemas.microsoft.com/office/powerpoint/2010/main" val="1246634551"/>
+        <p14:creationId xmlns:p14="http://schemas.microsoft.com/office/powerpoint/2010/main" val="4117106042"/>
       </p:ext>
     </p:extLst>
   </p:cSld>
@@ -806,7 +808,7 @@
             </a:r>
             <a:r>
               <a:rPr lang="de-DE" dirty="0"/>
-              <a:t>: Alex</a:t>
+              <a:t>: Svenja</a:t>
             </a:r>
           </a:p>
         </p:txBody>
@@ -828,7 +830,7 @@
           <a:p>
             <a:fld id="{A5F6295B-F36C-480A-867B-5287C881934E}" type="slidenum">
               <a:rPr lang="de-DE" smtClean="0"/>
-              <a:t>15</a:t>
+              <a:t>18</a:t>
             </a:fld>
             <a:endParaRPr lang="de-DE"/>
           </a:p>
@@ -837,7 +839,7 @@
     </p:spTree>
     <p:extLst>
       <p:ext uri="{BB962C8B-B14F-4D97-AF65-F5344CB8AC3E}">
-        <p14:creationId xmlns:p14="http://schemas.microsoft.com/office/powerpoint/2010/main" val="4117106042"/>
+        <p14:creationId xmlns:p14="http://schemas.microsoft.com/office/powerpoint/2010/main" val="1793683532"/>
       </p:ext>
     </p:extLst>
   </p:cSld>
@@ -897,7 +899,7 @@
             </a:r>
             <a:r>
               <a:rPr lang="de-DE" dirty="0"/>
-              <a:t>: Svenja</a:t>
+              <a:t>: Jörn</a:t>
             </a:r>
           </a:p>
         </p:txBody>
@@ -919,7 +921,7 @@
           <a:p>
             <a:fld id="{A5F6295B-F36C-480A-867B-5287C881934E}" type="slidenum">
               <a:rPr lang="de-DE" smtClean="0"/>
-              <a:t>16</a:t>
+              <a:t>19</a:t>
             </a:fld>
             <a:endParaRPr lang="de-DE"/>
           </a:p>
@@ -928,7 +930,7 @@
     </p:spTree>
     <p:extLst>
       <p:ext uri="{BB962C8B-B14F-4D97-AF65-F5344CB8AC3E}">
-        <p14:creationId xmlns:p14="http://schemas.microsoft.com/office/powerpoint/2010/main" val="1793683532"/>
+        <p14:creationId xmlns:p14="http://schemas.microsoft.com/office/powerpoint/2010/main" val="3263478139"/>
       </p:ext>
     </p:extLst>
   </p:cSld>
@@ -1010,7 +1012,7 @@
           <a:p>
             <a:fld id="{A5F6295B-F36C-480A-867B-5287C881934E}" type="slidenum">
               <a:rPr lang="de-DE" smtClean="0"/>
-              <a:t>17</a:t>
+              <a:t>20</a:t>
             </a:fld>
             <a:endParaRPr lang="de-DE"/>
           </a:p>
@@ -1019,7 +1021,7 @@
     </p:spTree>
     <p:extLst>
       <p:ext uri="{BB962C8B-B14F-4D97-AF65-F5344CB8AC3E}">
-        <p14:creationId xmlns:p14="http://schemas.microsoft.com/office/powerpoint/2010/main" val="3263478139"/>
+        <p14:creationId xmlns:p14="http://schemas.microsoft.com/office/powerpoint/2010/main" val="990517017"/>
       </p:ext>
     </p:extLst>
   </p:cSld>
@@ -1101,7 +1103,7 @@
           <a:p>
             <a:fld id="{A5F6295B-F36C-480A-867B-5287C881934E}" type="slidenum">
               <a:rPr lang="de-DE" smtClean="0"/>
-              <a:t>18</a:t>
+              <a:t>21</a:t>
             </a:fld>
             <a:endParaRPr lang="de-DE"/>
           </a:p>
@@ -1110,7 +1112,7 @@
     </p:spTree>
     <p:extLst>
       <p:ext uri="{BB962C8B-B14F-4D97-AF65-F5344CB8AC3E}">
-        <p14:creationId xmlns:p14="http://schemas.microsoft.com/office/powerpoint/2010/main" val="990517017"/>
+        <p14:creationId xmlns:p14="http://schemas.microsoft.com/office/powerpoint/2010/main" val="559789274"/>
       </p:ext>
     </p:extLst>
   </p:cSld>
@@ -1170,7 +1172,7 @@
             </a:r>
             <a:r>
               <a:rPr lang="de-DE" dirty="0"/>
-              <a:t>: Jörn</a:t>
+              <a:t>: Svenja</a:t>
             </a:r>
           </a:p>
         </p:txBody>
@@ -1192,98 +1194,7 @@
           <a:p>
             <a:fld id="{A5F6295B-F36C-480A-867B-5287C881934E}" type="slidenum">
               <a:rPr lang="de-DE" smtClean="0"/>
-              <a:t>19</a:t>
-            </a:fld>
-            <a:endParaRPr lang="de-DE"/>
-          </a:p>
-        </p:txBody>
-      </p:sp>
-    </p:spTree>
-    <p:extLst>
-      <p:ext uri="{BB962C8B-B14F-4D97-AF65-F5344CB8AC3E}">
-        <p14:creationId xmlns:p14="http://schemas.microsoft.com/office/powerpoint/2010/main" val="559789274"/>
-      </p:ext>
-    </p:extLst>
-  </p:cSld>
-  <p:clrMapOvr>
-    <a:masterClrMapping/>
-  </p:clrMapOvr>
-</p:notes>
-</file>
-
-<file path=ppt/notesSlides/notesSlide17.xml><?xml version="1.0" encoding="utf-8"?>
-<p:notes xmlns:a="http://schemas.openxmlformats.org/drawingml/2006/main" xmlns:r="http://schemas.openxmlformats.org/officeDocument/2006/relationships" xmlns:p="http://schemas.openxmlformats.org/presentationml/2006/main">
-  <p:cSld>
-    <p:spTree>
-      <p:nvGrpSpPr>
-        <p:cNvPr id="1" name=""/>
-        <p:cNvGrpSpPr/>
-        <p:nvPr/>
-      </p:nvGrpSpPr>
-      <p:grpSpPr>
-        <a:xfrm>
-          <a:off x="0" y="0"/>
-          <a:ext cx="0" cy="0"/>
-          <a:chOff x="0" y="0"/>
-          <a:chExt cx="0" cy="0"/>
-        </a:xfrm>
-      </p:grpSpPr>
-      <p:sp>
-        <p:nvSpPr>
-          <p:cNvPr id="2" name="Folienbildplatzhalter 1"/>
-          <p:cNvSpPr>
-            <a:spLocks noGrp="1" noRot="1" noChangeAspect="1"/>
-          </p:cNvSpPr>
-          <p:nvPr>
-            <p:ph type="sldImg"/>
-          </p:nvPr>
-        </p:nvSpPr>
-        <p:spPr/>
-      </p:sp>
-      <p:sp>
-        <p:nvSpPr>
-          <p:cNvPr id="3" name="Notizenplatzhalter 2"/>
-          <p:cNvSpPr>
-            <a:spLocks noGrp="1"/>
-          </p:cNvSpPr>
-          <p:nvPr>
-            <p:ph type="body" idx="1"/>
-          </p:nvPr>
-        </p:nvSpPr>
-        <p:spPr/>
-        <p:txBody>
-          <a:bodyPr/>
-          <a:lstStyle/>
-          <a:p>
-            <a:r>
-              <a:rPr lang="de-DE" dirty="0" err="1"/>
-              <a:t>Todo</a:t>
-            </a:r>
-            <a:r>
-              <a:rPr lang="de-DE" dirty="0"/>
-              <a:t>: Svenja</a:t>
-            </a:r>
-          </a:p>
-        </p:txBody>
-      </p:sp>
-      <p:sp>
-        <p:nvSpPr>
-          <p:cNvPr id="4" name="Foliennummernplatzhalter 3"/>
-          <p:cNvSpPr>
-            <a:spLocks noGrp="1"/>
-          </p:cNvSpPr>
-          <p:nvPr>
-            <p:ph type="sldNum" sz="quarter" idx="5"/>
-          </p:nvPr>
-        </p:nvSpPr>
-        <p:spPr/>
-        <p:txBody>
-          <a:bodyPr/>
-          <a:lstStyle/>
-          <a:p>
-            <a:fld id="{A5F6295B-F36C-480A-867B-5287C881934E}" type="slidenum">
-              <a:rPr lang="de-DE" smtClean="0"/>
-              <a:t>20</a:t>
+              <a:t>22</a:t>
             </a:fld>
             <a:endParaRPr lang="de-DE"/>
           </a:p>
@@ -1958,7 +1869,7 @@
     </p:spTree>
     <p:extLst>
       <p:ext uri="{BB962C8B-B14F-4D97-AF65-F5344CB8AC3E}">
-        <p14:creationId xmlns:p14="http://schemas.microsoft.com/office/powerpoint/2010/main" val="3390975413"/>
+        <p14:creationId xmlns:p14="http://schemas.microsoft.com/office/powerpoint/2010/main" val="3493777603"/>
       </p:ext>
     </p:extLst>
   </p:cSld>
@@ -2018,7 +1929,7 @@
             </a:r>
             <a:r>
               <a:rPr lang="de-DE" dirty="0"/>
-              <a:t>: Alex</a:t>
+              <a:t>: Svenja</a:t>
             </a:r>
           </a:p>
         </p:txBody>
@@ -2040,7 +1951,7 @@
           <a:p>
             <a:fld id="{A5F6295B-F36C-480A-867B-5287C881934E}" type="slidenum">
               <a:rPr lang="de-DE" smtClean="0"/>
-              <a:t>8</a:t>
+              <a:t>10</a:t>
             </a:fld>
             <a:endParaRPr lang="de-DE"/>
           </a:p>
@@ -2049,7 +1960,7 @@
     </p:spTree>
     <p:extLst>
       <p:ext uri="{BB962C8B-B14F-4D97-AF65-F5344CB8AC3E}">
-        <p14:creationId xmlns:p14="http://schemas.microsoft.com/office/powerpoint/2010/main" val="3493777603"/>
+        <p14:creationId xmlns:p14="http://schemas.microsoft.com/office/powerpoint/2010/main" val="3239804269"/>
       </p:ext>
     </p:extLst>
   </p:cSld>
@@ -2131,7 +2042,7 @@
           <a:p>
             <a:fld id="{A5F6295B-F36C-480A-867B-5287C881934E}" type="slidenum">
               <a:rPr lang="de-DE" smtClean="0"/>
-              <a:t>9</a:t>
+              <a:t>11</a:t>
             </a:fld>
             <a:endParaRPr lang="de-DE"/>
           </a:p>
@@ -2140,7 +2051,7 @@
     </p:spTree>
     <p:extLst>
       <p:ext uri="{BB962C8B-B14F-4D97-AF65-F5344CB8AC3E}">
-        <p14:creationId xmlns:p14="http://schemas.microsoft.com/office/powerpoint/2010/main" val="3239804269"/>
+        <p14:creationId xmlns:p14="http://schemas.microsoft.com/office/powerpoint/2010/main" val="4154885019"/>
       </p:ext>
     </p:extLst>
   </p:cSld>
@@ -2222,7 +2133,7 @@
           <a:p>
             <a:fld id="{A5F6295B-F36C-480A-867B-5287C881934E}" type="slidenum">
               <a:rPr lang="de-DE" smtClean="0"/>
-              <a:t>10</a:t>
+              <a:t>12</a:t>
             </a:fld>
             <a:endParaRPr lang="de-DE"/>
           </a:p>
@@ -2231,7 +2142,7 @@
     </p:spTree>
     <p:extLst>
       <p:ext uri="{BB962C8B-B14F-4D97-AF65-F5344CB8AC3E}">
-        <p14:creationId xmlns:p14="http://schemas.microsoft.com/office/powerpoint/2010/main" val="4154885019"/>
+        <p14:creationId xmlns:p14="http://schemas.microsoft.com/office/powerpoint/2010/main" val="712260119"/>
       </p:ext>
     </p:extLst>
   </p:cSld>
@@ -2291,7 +2202,7 @@
             </a:r>
             <a:r>
               <a:rPr lang="de-DE" dirty="0"/>
-              <a:t>: Svenja</a:t>
+              <a:t>: Jörn</a:t>
             </a:r>
           </a:p>
         </p:txBody>
@@ -2313,7 +2224,7 @@
           <a:p>
             <a:fld id="{A5F6295B-F36C-480A-867B-5287C881934E}" type="slidenum">
               <a:rPr lang="de-DE" smtClean="0"/>
-              <a:t>11</a:t>
+              <a:t>13</a:t>
             </a:fld>
             <a:endParaRPr lang="de-DE"/>
           </a:p>
@@ -2322,7 +2233,7 @@
     </p:spTree>
     <p:extLst>
       <p:ext uri="{BB962C8B-B14F-4D97-AF65-F5344CB8AC3E}">
-        <p14:creationId xmlns:p14="http://schemas.microsoft.com/office/powerpoint/2010/main" val="712260119"/>
+        <p14:creationId xmlns:p14="http://schemas.microsoft.com/office/powerpoint/2010/main" val="4137903960"/>
       </p:ext>
     </p:extLst>
   </p:cSld>
@@ -2382,7 +2293,7 @@
             </a:r>
             <a:r>
               <a:rPr lang="de-DE" dirty="0"/>
-              <a:t>: Jörn</a:t>
+              <a:t>: Alex</a:t>
             </a:r>
           </a:p>
         </p:txBody>
@@ -2404,7 +2315,7 @@
           <a:p>
             <a:fld id="{A5F6295B-F36C-480A-867B-5287C881934E}" type="slidenum">
               <a:rPr lang="de-DE" smtClean="0"/>
-              <a:t>12</a:t>
+              <a:t>14</a:t>
             </a:fld>
             <a:endParaRPr lang="de-DE"/>
           </a:p>
@@ -2413,7 +2324,7 @@
     </p:spTree>
     <p:extLst>
       <p:ext uri="{BB962C8B-B14F-4D97-AF65-F5344CB8AC3E}">
-        <p14:creationId xmlns:p14="http://schemas.microsoft.com/office/powerpoint/2010/main" val="4137903960"/>
+        <p14:creationId xmlns:p14="http://schemas.microsoft.com/office/powerpoint/2010/main" val="230985345"/>
       </p:ext>
     </p:extLst>
   </p:cSld>
@@ -2480,7 +2391,7 @@
           <a:noFill/>
           <a:extLst>
             <a:ext uri="{909E8E84-426E-40dd-AFC4-6F175D3DCCD1}">
-              <a14:hiddenFill xmlns="" xmlns:a14="http://schemas.microsoft.com/office/drawing/2010/main">
+              <a14:hiddenFill xmlns:a14="http://schemas.microsoft.com/office/drawing/2010/main" xmlns="">
                 <a:solidFill>
                   <a:srgbClr val="FFFFFF"/>
                 </a:solidFill>
@@ -2539,7 +2450,7 @@
             </a:ln>
             <a:extLst>
               <a:ext uri="{91240B29-F687-4f45-9708-019B960494DF}">
-                <a14:hiddenLine xmlns="" xmlns:a14="http://schemas.microsoft.com/office/drawing/2010/main" w="9525">
+                <a14:hiddenLine xmlns:a14="http://schemas.microsoft.com/office/drawing/2010/main" xmlns="" w="9525">
                   <a:solidFill>
                     <a:srgbClr val="000000"/>
                   </a:solidFill>
@@ -2629,7 +2540,7 @@
             </a:ln>
             <a:extLst>
               <a:ext uri="{91240B29-F687-4f45-9708-019B960494DF}">
-                <a14:hiddenLine xmlns="" xmlns:a14="http://schemas.microsoft.com/office/drawing/2010/main" w="9525">
+                <a14:hiddenLine xmlns:a14="http://schemas.microsoft.com/office/drawing/2010/main" xmlns="" w="9525">
                   <a:solidFill>
                     <a:srgbClr val="000000"/>
                   </a:solidFill>
@@ -2719,7 +2630,7 @@
             </a:ln>
             <a:extLst>
               <a:ext uri="{91240B29-F687-4f45-9708-019B960494DF}">
-                <a14:hiddenLine xmlns="" xmlns:a14="http://schemas.microsoft.com/office/drawing/2010/main" w="9525">
+                <a14:hiddenLine xmlns:a14="http://schemas.microsoft.com/office/drawing/2010/main" xmlns="" w="9525">
                   <a:solidFill>
                     <a:srgbClr val="000000"/>
                   </a:solidFill>
@@ -2753,7 +2664,7 @@
             </a:ln>
             <a:extLst>
               <a:ext uri="{91240B29-F687-4f45-9708-019B960494DF}">
-                <a14:hiddenLine xmlns="" xmlns:a14="http://schemas.microsoft.com/office/drawing/2010/main" w="9525">
+                <a14:hiddenLine xmlns:a14="http://schemas.microsoft.com/office/drawing/2010/main" xmlns="" w="9525">
                   <a:solidFill>
                     <a:srgbClr val="000000"/>
                   </a:solidFill>
@@ -2843,7 +2754,7 @@
             </a:ln>
             <a:extLst>
               <a:ext uri="{91240B29-F687-4f45-9708-019B960494DF}">
-                <a14:hiddenLine xmlns="" xmlns:a14="http://schemas.microsoft.com/office/drawing/2010/main" w="9525">
+                <a14:hiddenLine xmlns:a14="http://schemas.microsoft.com/office/drawing/2010/main" xmlns="" w="9525">
                   <a:solidFill>
                     <a:srgbClr val="000000"/>
                   </a:solidFill>
@@ -2905,7 +2816,7 @@
             </a:ln>
             <a:extLst>
               <a:ext uri="{91240B29-F687-4f45-9708-019B960494DF}">
-                <a14:hiddenLine xmlns="" xmlns:a14="http://schemas.microsoft.com/office/drawing/2010/main" w="9525">
+                <a14:hiddenLine xmlns:a14="http://schemas.microsoft.com/office/drawing/2010/main" xmlns="" w="9525">
                   <a:solidFill>
                     <a:srgbClr val="000000"/>
                   </a:solidFill>
@@ -2967,7 +2878,7 @@
             </a:ln>
             <a:extLst>
               <a:ext uri="{91240B29-F687-4f45-9708-019B960494DF}">
-                <a14:hiddenLine xmlns="" xmlns:a14="http://schemas.microsoft.com/office/drawing/2010/main" w="9525">
+                <a14:hiddenLine xmlns:a14="http://schemas.microsoft.com/office/drawing/2010/main" xmlns="" w="9525">
                   <a:solidFill>
                     <a:srgbClr val="000000"/>
                   </a:solidFill>
@@ -3057,7 +2968,7 @@
             </a:ln>
             <a:extLst>
               <a:ext uri="{91240B29-F687-4f45-9708-019B960494DF}">
-                <a14:hiddenLine xmlns="" xmlns:a14="http://schemas.microsoft.com/office/drawing/2010/main" w="9525">
+                <a14:hiddenLine xmlns:a14="http://schemas.microsoft.com/office/drawing/2010/main" xmlns="" w="9525">
                   <a:solidFill>
                     <a:srgbClr val="000000"/>
                   </a:solidFill>
@@ -3119,7 +3030,7 @@
             </a:ln>
             <a:extLst>
               <a:ext uri="{91240B29-F687-4f45-9708-019B960494DF}">
-                <a14:hiddenLine xmlns="" xmlns:a14="http://schemas.microsoft.com/office/drawing/2010/main" w="9525">
+                <a14:hiddenLine xmlns:a14="http://schemas.microsoft.com/office/drawing/2010/main" xmlns="" w="9525">
                   <a:solidFill>
                     <a:srgbClr val="000000"/>
                   </a:solidFill>
@@ -3181,7 +3092,7 @@
             </a:ln>
             <a:extLst>
               <a:ext uri="{91240B29-F687-4f45-9708-019B960494DF}">
-                <a14:hiddenLine xmlns="" xmlns:a14="http://schemas.microsoft.com/office/drawing/2010/main" w="9525">
+                <a14:hiddenLine xmlns:a14="http://schemas.microsoft.com/office/drawing/2010/main" xmlns="" w="9525">
                   <a:solidFill>
                     <a:srgbClr val="000000"/>
                   </a:solidFill>
@@ -3271,7 +3182,7 @@
             </a:ln>
             <a:extLst>
               <a:ext uri="{91240B29-F687-4f45-9708-019B960494DF}">
-                <a14:hiddenLine xmlns="" xmlns:a14="http://schemas.microsoft.com/office/drawing/2010/main" w="9525">
+                <a14:hiddenLine xmlns:a14="http://schemas.microsoft.com/office/drawing/2010/main" xmlns="" w="9525">
                   <a:solidFill>
                     <a:srgbClr val="000000"/>
                   </a:solidFill>
@@ -3361,7 +3272,7 @@
             </a:ln>
             <a:extLst>
               <a:ext uri="{91240B29-F687-4f45-9708-019B960494DF}">
-                <a14:hiddenLine xmlns="" xmlns:a14="http://schemas.microsoft.com/office/drawing/2010/main" w="9525">
+                <a14:hiddenLine xmlns:a14="http://schemas.microsoft.com/office/drawing/2010/main" xmlns="" w="9525">
                   <a:solidFill>
                     <a:srgbClr val="000000"/>
                   </a:solidFill>
@@ -3423,7 +3334,7 @@
             </a:ln>
             <a:extLst>
               <a:ext uri="{91240B29-F687-4f45-9708-019B960494DF}">
-                <a14:hiddenLine xmlns="" xmlns:a14="http://schemas.microsoft.com/office/drawing/2010/main" w="9525">
+                <a14:hiddenLine xmlns:a14="http://schemas.microsoft.com/office/drawing/2010/main" xmlns="" w="9525">
                   <a:solidFill>
                     <a:srgbClr val="000000"/>
                   </a:solidFill>
@@ -3533,7 +3444,7 @@
             </a:ln>
             <a:extLst>
               <a:ext uri="{91240B29-F687-4f45-9708-019B960494DF}">
-                <a14:hiddenLine xmlns="" xmlns:a14="http://schemas.microsoft.com/office/drawing/2010/main" w="9525">
+                <a14:hiddenLine xmlns:a14="http://schemas.microsoft.com/office/drawing/2010/main" xmlns="" w="9525">
                   <a:solidFill>
                     <a:srgbClr val="000000"/>
                   </a:solidFill>
@@ -3595,7 +3506,7 @@
             </a:ln>
             <a:extLst>
               <a:ext uri="{91240B29-F687-4f45-9708-019B960494DF}">
-                <a14:hiddenLine xmlns="" xmlns:a14="http://schemas.microsoft.com/office/drawing/2010/main" w="9525">
+                <a14:hiddenLine xmlns:a14="http://schemas.microsoft.com/office/drawing/2010/main" xmlns="" w="9525">
                   <a:solidFill>
                     <a:srgbClr val="000000"/>
                   </a:solidFill>
@@ -3685,7 +3596,7 @@
             </a:ln>
             <a:extLst>
               <a:ext uri="{91240B29-F687-4f45-9708-019B960494DF}">
-                <a14:hiddenLine xmlns="" xmlns:a14="http://schemas.microsoft.com/office/drawing/2010/main" w="9525">
+                <a14:hiddenLine xmlns:a14="http://schemas.microsoft.com/office/drawing/2010/main" xmlns="" w="9525">
                   <a:solidFill>
                     <a:srgbClr val="000000"/>
                   </a:solidFill>
@@ -3775,7 +3686,7 @@
             </a:ln>
             <a:extLst>
               <a:ext uri="{91240B29-F687-4f45-9708-019B960494DF}">
-                <a14:hiddenLine xmlns="" xmlns:a14="http://schemas.microsoft.com/office/drawing/2010/main" w="9525">
+                <a14:hiddenLine xmlns:a14="http://schemas.microsoft.com/office/drawing/2010/main" xmlns="" w="9525">
                   <a:solidFill>
                     <a:srgbClr val="000000"/>
                   </a:solidFill>
@@ -3837,7 +3748,7 @@
             </a:ln>
             <a:extLst>
               <a:ext uri="{91240B29-F687-4f45-9708-019B960494DF}">
-                <a14:hiddenLine xmlns="" xmlns:a14="http://schemas.microsoft.com/office/drawing/2010/main" w="9525">
+                <a14:hiddenLine xmlns:a14="http://schemas.microsoft.com/office/drawing/2010/main" xmlns="" w="9525">
                   <a:solidFill>
                     <a:srgbClr val="000000"/>
                   </a:solidFill>
@@ -3927,7 +3838,7 @@
             </a:ln>
             <a:extLst>
               <a:ext uri="{91240B29-F687-4f45-9708-019B960494DF}">
-                <a14:hiddenLine xmlns="" xmlns:a14="http://schemas.microsoft.com/office/drawing/2010/main" w="9525">
+                <a14:hiddenLine xmlns:a14="http://schemas.microsoft.com/office/drawing/2010/main" xmlns="" w="9525">
                   <a:solidFill>
                     <a:srgbClr val="000000"/>
                   </a:solidFill>
@@ -4017,7 +3928,7 @@
             </a:ln>
             <a:extLst>
               <a:ext uri="{91240B29-F687-4f45-9708-019B960494DF}">
-                <a14:hiddenLine xmlns="" xmlns:a14="http://schemas.microsoft.com/office/drawing/2010/main" w="9525">
+                <a14:hiddenLine xmlns:a14="http://schemas.microsoft.com/office/drawing/2010/main" xmlns="" w="9525">
                   <a:solidFill>
                     <a:srgbClr val="000000"/>
                   </a:solidFill>
@@ -4073,7 +3984,7 @@
             </a:ln>
             <a:extLst>
               <a:ext uri="{91240B29-F687-4f45-9708-019B960494DF}">
-                <a14:hiddenLine xmlns="" xmlns:a14="http://schemas.microsoft.com/office/drawing/2010/main" w="9525">
+                <a14:hiddenLine xmlns:a14="http://schemas.microsoft.com/office/drawing/2010/main" xmlns="" w="9525">
                   <a:solidFill>
                     <a:srgbClr val="000000"/>
                   </a:solidFill>
@@ -4163,7 +4074,7 @@
             </a:ln>
             <a:extLst>
               <a:ext uri="{91240B29-F687-4f45-9708-019B960494DF}">
-                <a14:hiddenLine xmlns="" xmlns:a14="http://schemas.microsoft.com/office/drawing/2010/main" w="9525">
+                <a14:hiddenLine xmlns:a14="http://schemas.microsoft.com/office/drawing/2010/main" xmlns="" w="9525">
                   <a:solidFill>
                     <a:srgbClr val="000000"/>
                   </a:solidFill>
@@ -4219,7 +4130,7 @@
             </a:ln>
             <a:extLst>
               <a:ext uri="{91240B29-F687-4f45-9708-019B960494DF}">
-                <a14:hiddenLine xmlns="" xmlns:a14="http://schemas.microsoft.com/office/drawing/2010/main" w="9525">
+                <a14:hiddenLine xmlns:a14="http://schemas.microsoft.com/office/drawing/2010/main" xmlns="" w="9525">
                   <a:solidFill>
                     <a:srgbClr val="000000"/>
                   </a:solidFill>
@@ -4309,7 +4220,7 @@
             </a:ln>
             <a:extLst>
               <a:ext uri="{91240B29-F687-4f45-9708-019B960494DF}">
-                <a14:hiddenLine xmlns="" xmlns:a14="http://schemas.microsoft.com/office/drawing/2010/main" w="9525">
+                <a14:hiddenLine xmlns:a14="http://schemas.microsoft.com/office/drawing/2010/main" xmlns="" w="9525">
                   <a:solidFill>
                     <a:srgbClr val="000000"/>
                   </a:solidFill>
@@ -4377,7 +4288,7 @@
             </a:ln>
             <a:extLst>
               <a:ext uri="{91240B29-F687-4f45-9708-019B960494DF}">
-                <a14:hiddenLine xmlns="" xmlns:a14="http://schemas.microsoft.com/office/drawing/2010/main" w="9525">
+                <a14:hiddenLine xmlns:a14="http://schemas.microsoft.com/office/drawing/2010/main" xmlns="" w="9525">
                   <a:solidFill>
                     <a:srgbClr val="000000"/>
                   </a:solidFill>
@@ -4467,7 +4378,7 @@
             </a:ln>
             <a:extLst>
               <a:ext uri="{91240B29-F687-4f45-9708-019B960494DF}">
-                <a14:hiddenLine xmlns="" xmlns:a14="http://schemas.microsoft.com/office/drawing/2010/main" w="9525">
+                <a14:hiddenLine xmlns:a14="http://schemas.microsoft.com/office/drawing/2010/main" xmlns="" w="9525">
                   <a:solidFill>
                     <a:srgbClr val="000000"/>
                   </a:solidFill>
@@ -4535,7 +4446,7 @@
             </a:ln>
             <a:extLst>
               <a:ext uri="{91240B29-F687-4f45-9708-019B960494DF}">
-                <a14:hiddenLine xmlns="" xmlns:a14="http://schemas.microsoft.com/office/drawing/2010/main" w="9525">
+                <a14:hiddenLine xmlns:a14="http://schemas.microsoft.com/office/drawing/2010/main" xmlns="" w="9525">
                   <a:solidFill>
                     <a:srgbClr val="000000"/>
                   </a:solidFill>
@@ -4625,7 +4536,7 @@
             </a:ln>
             <a:extLst>
               <a:ext uri="{91240B29-F687-4f45-9708-019B960494DF}">
-                <a14:hiddenLine xmlns="" xmlns:a14="http://schemas.microsoft.com/office/drawing/2010/main" w="9525">
+                <a14:hiddenLine xmlns:a14="http://schemas.microsoft.com/office/drawing/2010/main" xmlns="" w="9525">
                   <a:solidFill>
                     <a:srgbClr val="000000"/>
                   </a:solidFill>
@@ -4659,7 +4570,7 @@
             </a:ln>
             <a:extLst>
               <a:ext uri="{91240B29-F687-4f45-9708-019B960494DF}">
-                <a14:hiddenLine xmlns="" xmlns:a14="http://schemas.microsoft.com/office/drawing/2010/main" w="9525">
+                <a14:hiddenLine xmlns:a14="http://schemas.microsoft.com/office/drawing/2010/main" xmlns="" w="9525">
                   <a:solidFill>
                     <a:srgbClr val="000000"/>
                   </a:solidFill>
@@ -4749,7 +4660,7 @@
             </a:ln>
             <a:extLst>
               <a:ext uri="{91240B29-F687-4f45-9708-019B960494DF}">
-                <a14:hiddenLine xmlns="" xmlns:a14="http://schemas.microsoft.com/office/drawing/2010/main" w="9525">
+                <a14:hiddenLine xmlns:a14="http://schemas.microsoft.com/office/drawing/2010/main" xmlns="" w="9525">
                   <a:solidFill>
                     <a:srgbClr val="000000"/>
                   </a:solidFill>
@@ -4811,7 +4722,7 @@
             </a:ln>
             <a:extLst>
               <a:ext uri="{91240B29-F687-4f45-9708-019B960494DF}">
-                <a14:hiddenLine xmlns="" xmlns:a14="http://schemas.microsoft.com/office/drawing/2010/main" w="9525">
+                <a14:hiddenLine xmlns:a14="http://schemas.microsoft.com/office/drawing/2010/main" xmlns="" w="9525">
                   <a:solidFill>
                     <a:srgbClr val="000000"/>
                   </a:solidFill>
@@ -4873,7 +4784,7 @@
             </a:ln>
             <a:extLst>
               <a:ext uri="{91240B29-F687-4f45-9708-019B960494DF}">
-                <a14:hiddenLine xmlns="" xmlns:a14="http://schemas.microsoft.com/office/drawing/2010/main" w="9525">
+                <a14:hiddenLine xmlns:a14="http://schemas.microsoft.com/office/drawing/2010/main" xmlns="" w="9525">
                   <a:solidFill>
                     <a:srgbClr val="000000"/>
                   </a:solidFill>
@@ -4963,7 +4874,7 @@
             </a:ln>
             <a:extLst>
               <a:ext uri="{91240B29-F687-4f45-9708-019B960494DF}">
-                <a14:hiddenLine xmlns="" xmlns:a14="http://schemas.microsoft.com/office/drawing/2010/main" w="9525">
+                <a14:hiddenLine xmlns:a14="http://schemas.microsoft.com/office/drawing/2010/main" xmlns="" w="9525">
                   <a:solidFill>
                     <a:srgbClr val="000000"/>
                   </a:solidFill>
@@ -5031,7 +4942,7 @@
             </a:ln>
             <a:extLst>
               <a:ext uri="{91240B29-F687-4f45-9708-019B960494DF}">
-                <a14:hiddenLine xmlns="" xmlns:a14="http://schemas.microsoft.com/office/drawing/2010/main" w="9525">
+                <a14:hiddenLine xmlns:a14="http://schemas.microsoft.com/office/drawing/2010/main" xmlns="" w="9525">
                   <a:solidFill>
                     <a:srgbClr val="000000"/>
                   </a:solidFill>
@@ -5093,7 +5004,7 @@
             </a:ln>
             <a:extLst>
               <a:ext uri="{91240B29-F687-4f45-9708-019B960494DF}">
-                <a14:hiddenLine xmlns="" xmlns:a14="http://schemas.microsoft.com/office/drawing/2010/main" w="9525">
+                <a14:hiddenLine xmlns:a14="http://schemas.microsoft.com/office/drawing/2010/main" xmlns="" w="9525">
                   <a:solidFill>
                     <a:srgbClr val="000000"/>
                   </a:solidFill>
@@ -5183,7 +5094,7 @@
             </a:ln>
             <a:extLst>
               <a:ext uri="{91240B29-F687-4f45-9708-019B960494DF}">
-                <a14:hiddenLine xmlns="" xmlns:a14="http://schemas.microsoft.com/office/drawing/2010/main" w="9525">
+                <a14:hiddenLine xmlns:a14="http://schemas.microsoft.com/office/drawing/2010/main" xmlns="" w="9525">
                   <a:solidFill>
                     <a:srgbClr val="000000"/>
                   </a:solidFill>
@@ -5245,7 +5156,7 @@
             </a:ln>
             <a:extLst>
               <a:ext uri="{91240B29-F687-4f45-9708-019B960494DF}">
-                <a14:hiddenLine xmlns="" xmlns:a14="http://schemas.microsoft.com/office/drawing/2010/main" w="9525">
+                <a14:hiddenLine xmlns:a14="http://schemas.microsoft.com/office/drawing/2010/main" xmlns="" w="9525">
                   <a:solidFill>
                     <a:srgbClr val="000000"/>
                   </a:solidFill>
@@ -5335,7 +5246,7 @@
             </a:ln>
             <a:extLst>
               <a:ext uri="{91240B29-F687-4f45-9708-019B960494DF}">
-                <a14:hiddenLine xmlns="" xmlns:a14="http://schemas.microsoft.com/office/drawing/2010/main" w="9525">
+                <a14:hiddenLine xmlns:a14="http://schemas.microsoft.com/office/drawing/2010/main" xmlns="" w="9525">
                   <a:solidFill>
                     <a:srgbClr val="000000"/>
                   </a:solidFill>
@@ -5397,7 +5308,7 @@
             </a:ln>
             <a:extLst>
               <a:ext uri="{91240B29-F687-4f45-9708-019B960494DF}">
-                <a14:hiddenLine xmlns="" xmlns:a14="http://schemas.microsoft.com/office/drawing/2010/main" w="9525">
+                <a14:hiddenLine xmlns:a14="http://schemas.microsoft.com/office/drawing/2010/main" xmlns="" w="9525">
                   <a:solidFill>
                     <a:srgbClr val="000000"/>
                   </a:solidFill>
@@ -5487,7 +5398,7 @@
             </a:ln>
             <a:extLst>
               <a:ext uri="{91240B29-F687-4f45-9708-019B960494DF}">
-                <a14:hiddenLine xmlns="" xmlns:a14="http://schemas.microsoft.com/office/drawing/2010/main" w="9525">
+                <a14:hiddenLine xmlns:a14="http://schemas.microsoft.com/office/drawing/2010/main" xmlns="" w="9525">
                   <a:solidFill>
                     <a:srgbClr val="000000"/>
                   </a:solidFill>
@@ -5521,7 +5432,7 @@
             </a:ln>
             <a:extLst>
               <a:ext uri="{91240B29-F687-4f45-9708-019B960494DF}">
-                <a14:hiddenLine xmlns="" xmlns:a14="http://schemas.microsoft.com/office/drawing/2010/main" w="9525">
+                <a14:hiddenLine xmlns:a14="http://schemas.microsoft.com/office/drawing/2010/main" xmlns="" w="9525">
                   <a:solidFill>
                     <a:srgbClr val="000000"/>
                   </a:solidFill>
@@ -5586,7 +5497,7 @@
             </a:ln>
             <a:extLst>
               <a:ext uri="{91240B29-F687-4f45-9708-019B960494DF}">
-                <a14:hiddenLine xmlns="" xmlns:a14="http://schemas.microsoft.com/office/drawing/2010/main" w="9525">
+                <a14:hiddenLine xmlns:a14="http://schemas.microsoft.com/office/drawing/2010/main" xmlns="" w="9525">
                   <a:solidFill>
                     <a:srgbClr val="000000"/>
                   </a:solidFill>
@@ -5676,7 +5587,7 @@
             </a:ln>
             <a:extLst>
               <a:ext uri="{91240B29-F687-4f45-9708-019B960494DF}">
-                <a14:hiddenLine xmlns="" xmlns:a14="http://schemas.microsoft.com/office/drawing/2010/main" w="9525">
+                <a14:hiddenLine xmlns:a14="http://schemas.microsoft.com/office/drawing/2010/main" xmlns="" w="9525">
                   <a:solidFill>
                     <a:srgbClr val="000000"/>
                   </a:solidFill>
@@ -5738,7 +5649,7 @@
             </a:ln>
             <a:extLst>
               <a:ext uri="{91240B29-F687-4f45-9708-019B960494DF}">
-                <a14:hiddenLine xmlns="" xmlns:a14="http://schemas.microsoft.com/office/drawing/2010/main" w="9525">
+                <a14:hiddenLine xmlns:a14="http://schemas.microsoft.com/office/drawing/2010/main" xmlns="" w="9525">
                   <a:solidFill>
                     <a:srgbClr val="000000"/>
                   </a:solidFill>
@@ -5828,7 +5739,7 @@
             </a:ln>
             <a:extLst>
               <a:ext uri="{91240B29-F687-4f45-9708-019B960494DF}">
-                <a14:hiddenLine xmlns="" xmlns:a14="http://schemas.microsoft.com/office/drawing/2010/main" w="9525">
+                <a14:hiddenLine xmlns:a14="http://schemas.microsoft.com/office/drawing/2010/main" xmlns="" w="9525">
                   <a:solidFill>
                     <a:srgbClr val="000000"/>
                   </a:solidFill>
@@ -5918,7 +5829,7 @@
             </a:ln>
             <a:extLst>
               <a:ext uri="{91240B29-F687-4f45-9708-019B960494DF}">
-                <a14:hiddenLine xmlns="" xmlns:a14="http://schemas.microsoft.com/office/drawing/2010/main" w="9525">
+                <a14:hiddenLine xmlns:a14="http://schemas.microsoft.com/office/drawing/2010/main" xmlns="" w="9525">
                   <a:solidFill>
                     <a:srgbClr val="000000"/>
                   </a:solidFill>
@@ -5983,7 +5894,7 @@
             </a:ln>
             <a:extLst>
               <a:ext uri="{91240B29-F687-4f45-9708-019B960494DF}">
-                <a14:hiddenLine xmlns="" xmlns:a14="http://schemas.microsoft.com/office/drawing/2010/main" w="9525">
+                <a14:hiddenLine xmlns:a14="http://schemas.microsoft.com/office/drawing/2010/main" xmlns="" w="9525">
                   <a:solidFill>
                     <a:srgbClr val="000000"/>
                   </a:solidFill>
@@ -6045,7 +5956,7 @@
             </a:ln>
             <a:extLst>
               <a:ext uri="{91240B29-F687-4f45-9708-019B960494DF}">
-                <a14:hiddenLine xmlns="" xmlns:a14="http://schemas.microsoft.com/office/drawing/2010/main" w="9525">
+                <a14:hiddenLine xmlns:a14="http://schemas.microsoft.com/office/drawing/2010/main" xmlns="" w="9525">
                   <a:solidFill>
                     <a:srgbClr val="000000"/>
                   </a:solidFill>
@@ -6135,7 +6046,7 @@
             </a:ln>
             <a:extLst>
               <a:ext uri="{91240B29-F687-4f45-9708-019B960494DF}">
-                <a14:hiddenLine xmlns="" xmlns:a14="http://schemas.microsoft.com/office/drawing/2010/main" w="9525">
+                <a14:hiddenLine xmlns:a14="http://schemas.microsoft.com/office/drawing/2010/main" xmlns="" w="9525">
                   <a:solidFill>
                     <a:srgbClr val="000000"/>
                   </a:solidFill>
@@ -6225,7 +6136,7 @@
             </a:ln>
             <a:extLst>
               <a:ext uri="{91240B29-F687-4f45-9708-019B960494DF}">
-                <a14:hiddenLine xmlns="" xmlns:a14="http://schemas.microsoft.com/office/drawing/2010/main" w="9525">
+                <a14:hiddenLine xmlns:a14="http://schemas.microsoft.com/office/drawing/2010/main" xmlns="" w="9525">
                   <a:solidFill>
                     <a:srgbClr val="000000"/>
                   </a:solidFill>
@@ -6287,7 +6198,7 @@
             </a:ln>
             <a:extLst>
               <a:ext uri="{91240B29-F687-4f45-9708-019B960494DF}">
-                <a14:hiddenLine xmlns="" xmlns:a14="http://schemas.microsoft.com/office/drawing/2010/main" w="9525">
+                <a14:hiddenLine xmlns:a14="http://schemas.microsoft.com/office/drawing/2010/main" xmlns="" w="9525">
                   <a:solidFill>
                     <a:srgbClr val="000000"/>
                   </a:solidFill>
@@ -6407,7 +6318,7 @@
             </a:ln>
             <a:extLst>
               <a:ext uri="{91240B29-F687-4f45-9708-019B960494DF}">
-                <a14:hiddenLine xmlns="" xmlns:a14="http://schemas.microsoft.com/office/drawing/2010/main" w="9525">
+                <a14:hiddenLine xmlns:a14="http://schemas.microsoft.com/office/drawing/2010/main" xmlns="" w="9525">
                   <a:solidFill>
                     <a:srgbClr val="000000"/>
                   </a:solidFill>
@@ -6475,7 +6386,7 @@
             </a:ln>
             <a:extLst>
               <a:ext uri="{91240B29-F687-4f45-9708-019B960494DF}">
-                <a14:hiddenLine xmlns="" xmlns:a14="http://schemas.microsoft.com/office/drawing/2010/main" w="9525">
+                <a14:hiddenLine xmlns:a14="http://schemas.microsoft.com/office/drawing/2010/main" xmlns="" w="9525">
                   <a:solidFill>
                     <a:srgbClr val="000000"/>
                   </a:solidFill>
@@ -6565,7 +6476,7 @@
             </a:ln>
             <a:extLst>
               <a:ext uri="{91240B29-F687-4f45-9708-019B960494DF}">
-                <a14:hiddenLine xmlns="" xmlns:a14="http://schemas.microsoft.com/office/drawing/2010/main" w="9525">
+                <a14:hiddenLine xmlns:a14="http://schemas.microsoft.com/office/drawing/2010/main" xmlns="" w="9525">
                   <a:solidFill>
                     <a:srgbClr val="000000"/>
                   </a:solidFill>
@@ -6705,7 +6616,7 @@
           <a:p>
             <a:fld id="{E83C38DC-B71F-497C-BC4F-CE0A9287F608}" type="datetimeFigureOut">
               <a:rPr lang="de-DE" smtClean="0"/>
-              <a:t>29.08.2019</a:t>
+              <a:t>01.09.2019</a:t>
             </a:fld>
             <a:endParaRPr lang="de-DE"/>
           </a:p>
@@ -6972,7 +6883,7 @@
           <a:p>
             <a:fld id="{E83C38DC-B71F-497C-BC4F-CE0A9287F608}" type="datetimeFigureOut">
               <a:rPr lang="de-DE" smtClean="0"/>
-              <a:t>29.08.2019</a:t>
+              <a:t>01.09.2019</a:t>
             </a:fld>
             <a:endParaRPr lang="de-DE"/>
           </a:p>
@@ -7168,7 +7079,7 @@
           <a:p>
             <a:fld id="{E83C38DC-B71F-497C-BC4F-CE0A9287F608}" type="datetimeFigureOut">
               <a:rPr lang="de-DE" smtClean="0"/>
-              <a:t>29.08.2019</a:t>
+              <a:t>01.09.2019</a:t>
             </a:fld>
             <a:endParaRPr lang="de-DE"/>
           </a:p>
@@ -7431,7 +7342,7 @@
           <a:p>
             <a:fld id="{E83C38DC-B71F-497C-BC4F-CE0A9287F608}" type="datetimeFigureOut">
               <a:rPr lang="de-DE" smtClean="0"/>
-              <a:t>29.08.2019</a:t>
+              <a:t>01.09.2019</a:t>
             </a:fld>
             <a:endParaRPr lang="de-DE"/>
           </a:p>
@@ -7865,7 +7776,7 @@
           <a:p>
             <a:fld id="{E83C38DC-B71F-497C-BC4F-CE0A9287F608}" type="datetimeFigureOut">
               <a:rPr lang="de-DE" smtClean="0"/>
-              <a:t>29.08.2019</a:t>
+              <a:t>01.09.2019</a:t>
             </a:fld>
             <a:endParaRPr lang="de-DE"/>
           </a:p>
@@ -8411,7 +8322,7 @@
           <a:p>
             <a:fld id="{E83C38DC-B71F-497C-BC4F-CE0A9287F608}" type="datetimeFigureOut">
               <a:rPr lang="de-DE" smtClean="0"/>
-              <a:t>29.08.2019</a:t>
+              <a:t>01.09.2019</a:t>
             </a:fld>
             <a:endParaRPr lang="de-DE"/>
           </a:p>
@@ -9131,7 +9042,7 @@
           <a:p>
             <a:fld id="{E83C38DC-B71F-497C-BC4F-CE0A9287F608}" type="datetimeFigureOut">
               <a:rPr lang="de-DE" smtClean="0"/>
-              <a:t>29.08.2019</a:t>
+              <a:t>01.09.2019</a:t>
             </a:fld>
             <a:endParaRPr lang="de-DE"/>
           </a:p>
@@ -9301,7 +9212,7 @@
           <a:p>
             <a:fld id="{E83C38DC-B71F-497C-BC4F-CE0A9287F608}" type="datetimeFigureOut">
               <a:rPr lang="de-DE" smtClean="0"/>
-              <a:t>29.08.2019</a:t>
+              <a:t>01.09.2019</a:t>
             </a:fld>
             <a:endParaRPr lang="de-DE"/>
           </a:p>
@@ -9481,7 +9392,7 @@
           <a:p>
             <a:fld id="{E83C38DC-B71F-497C-BC4F-CE0A9287F608}" type="datetimeFigureOut">
               <a:rPr lang="de-DE" smtClean="0"/>
-              <a:t>29.08.2019</a:t>
+              <a:t>01.09.2019</a:t>
             </a:fld>
             <a:endParaRPr lang="de-DE"/>
           </a:p>
@@ -9651,7 +9562,7 @@
           <a:p>
             <a:fld id="{E83C38DC-B71F-497C-BC4F-CE0A9287F608}" type="datetimeFigureOut">
               <a:rPr lang="de-DE" smtClean="0"/>
-              <a:t>29.08.2019</a:t>
+              <a:t>01.09.2019</a:t>
             </a:fld>
             <a:endParaRPr lang="de-DE"/>
           </a:p>
@@ -9901,7 +9812,7 @@
           <a:p>
             <a:fld id="{E83C38DC-B71F-497C-BC4F-CE0A9287F608}" type="datetimeFigureOut">
               <a:rPr lang="de-DE" smtClean="0"/>
-              <a:t>29.08.2019</a:t>
+              <a:t>01.09.2019</a:t>
             </a:fld>
             <a:endParaRPr lang="de-DE"/>
           </a:p>
@@ -10133,7 +10044,7 @@
           <a:p>
             <a:fld id="{E83C38DC-B71F-497C-BC4F-CE0A9287F608}" type="datetimeFigureOut">
               <a:rPr lang="de-DE" smtClean="0"/>
-              <a:t>29.08.2019</a:t>
+              <a:t>01.09.2019</a:t>
             </a:fld>
             <a:endParaRPr lang="de-DE"/>
           </a:p>
@@ -10514,7 +10425,7 @@
           <a:p>
             <a:fld id="{E83C38DC-B71F-497C-BC4F-CE0A9287F608}" type="datetimeFigureOut">
               <a:rPr lang="de-DE" smtClean="0"/>
-              <a:t>29.08.2019</a:t>
+              <a:t>01.09.2019</a:t>
             </a:fld>
             <a:endParaRPr lang="de-DE"/>
           </a:p>
@@ -10632,7 +10543,7 @@
           <a:p>
             <a:fld id="{E83C38DC-B71F-497C-BC4F-CE0A9287F608}" type="datetimeFigureOut">
               <a:rPr lang="de-DE" smtClean="0"/>
-              <a:t>29.08.2019</a:t>
+              <a:t>01.09.2019</a:t>
             </a:fld>
             <a:endParaRPr lang="de-DE"/>
           </a:p>
@@ -10727,7 +10638,7 @@
           <a:p>
             <a:fld id="{E83C38DC-B71F-497C-BC4F-CE0A9287F608}" type="datetimeFigureOut">
               <a:rPr lang="de-DE" smtClean="0"/>
-              <a:t>29.08.2019</a:t>
+              <a:t>01.09.2019</a:t>
             </a:fld>
             <a:endParaRPr lang="de-DE"/>
           </a:p>
@@ -10976,7 +10887,7 @@
           <a:p>
             <a:fld id="{E83C38DC-B71F-497C-BC4F-CE0A9287F608}" type="datetimeFigureOut">
               <a:rPr lang="de-DE" smtClean="0"/>
-              <a:t>29.08.2019</a:t>
+              <a:t>01.09.2019</a:t>
             </a:fld>
             <a:endParaRPr lang="de-DE"/>
           </a:p>
@@ -11256,7 +11167,7 @@
           <a:p>
             <a:fld id="{E83C38DC-B71F-497C-BC4F-CE0A9287F608}" type="datetimeFigureOut">
               <a:rPr lang="de-DE" smtClean="0"/>
-              <a:t>29.08.2019</a:t>
+              <a:t>01.09.2019</a:t>
             </a:fld>
             <a:endParaRPr lang="de-DE"/>
           </a:p>
@@ -11379,7 +11290,7 @@
           <a:noFill/>
           <a:extLst>
             <a:ext uri="{909E8E84-426E-40dd-AFC4-6F175D3DCCD1}">
-              <a14:hiddenFill xmlns="" xmlns:a14="http://schemas.microsoft.com/office/drawing/2010/main">
+              <a14:hiddenFill xmlns:a14="http://schemas.microsoft.com/office/drawing/2010/main" xmlns="">
                 <a:solidFill>
                   <a:srgbClr val="FFFFFF"/>
                 </a:solidFill>
@@ -11453,7 +11364,7 @@
               </a:ln>
               <a:extLst>
                 <a:ext uri="{91240B29-F687-4f45-9708-019B960494DF}">
-                  <a14:hiddenLine xmlns="" xmlns:a14="http://schemas.microsoft.com/office/drawing/2010/main" w="9525">
+                  <a14:hiddenLine xmlns:a14="http://schemas.microsoft.com/office/drawing/2010/main" xmlns="" w="9525">
                     <a:solidFill>
                       <a:srgbClr val="000000"/>
                     </a:solidFill>
@@ -11543,7 +11454,7 @@
               </a:ln>
               <a:extLst>
                 <a:ext uri="{91240B29-F687-4f45-9708-019B960494DF}">
-                  <a14:hiddenLine xmlns="" xmlns:a14="http://schemas.microsoft.com/office/drawing/2010/main" w="9525">
+                  <a14:hiddenLine xmlns:a14="http://schemas.microsoft.com/office/drawing/2010/main" xmlns="" w="9525">
                     <a:solidFill>
                       <a:srgbClr val="000000"/>
                     </a:solidFill>
@@ -11633,7 +11544,7 @@
               </a:ln>
               <a:extLst>
                 <a:ext uri="{91240B29-F687-4f45-9708-019B960494DF}">
-                  <a14:hiddenLine xmlns="" xmlns:a14="http://schemas.microsoft.com/office/drawing/2010/main" w="9525">
+                  <a14:hiddenLine xmlns:a14="http://schemas.microsoft.com/office/drawing/2010/main" xmlns="" w="9525">
                     <a:solidFill>
                       <a:srgbClr val="000000"/>
                     </a:solidFill>
@@ -11695,7 +11606,7 @@
               </a:ln>
               <a:extLst>
                 <a:ext uri="{91240B29-F687-4f45-9708-019B960494DF}">
-                  <a14:hiddenLine xmlns="" xmlns:a14="http://schemas.microsoft.com/office/drawing/2010/main" w="9525">
+                  <a14:hiddenLine xmlns:a14="http://schemas.microsoft.com/office/drawing/2010/main" xmlns="" w="9525">
                     <a:solidFill>
                       <a:srgbClr val="000000"/>
                     </a:solidFill>
@@ -11785,7 +11696,7 @@
               </a:ln>
               <a:extLst>
                 <a:ext uri="{91240B29-F687-4f45-9708-019B960494DF}">
-                  <a14:hiddenLine xmlns="" xmlns:a14="http://schemas.microsoft.com/office/drawing/2010/main" w="9525">
+                  <a14:hiddenLine xmlns:a14="http://schemas.microsoft.com/office/drawing/2010/main" xmlns="" w="9525">
                     <a:solidFill>
                       <a:srgbClr val="000000"/>
                     </a:solidFill>
@@ -11847,7 +11758,7 @@
               </a:ln>
               <a:extLst>
                 <a:ext uri="{91240B29-F687-4f45-9708-019B960494DF}">
-                  <a14:hiddenLine xmlns="" xmlns:a14="http://schemas.microsoft.com/office/drawing/2010/main" w="9525">
+                  <a14:hiddenLine xmlns:a14="http://schemas.microsoft.com/office/drawing/2010/main" xmlns="" w="9525">
                     <a:solidFill>
                       <a:srgbClr val="000000"/>
                     </a:solidFill>
@@ -11909,7 +11820,7 @@
               </a:ln>
               <a:extLst>
                 <a:ext uri="{91240B29-F687-4f45-9708-019B960494DF}">
-                  <a14:hiddenLine xmlns="" xmlns:a14="http://schemas.microsoft.com/office/drawing/2010/main" w="9525">
+                  <a14:hiddenLine xmlns:a14="http://schemas.microsoft.com/office/drawing/2010/main" xmlns="" w="9525">
                     <a:solidFill>
                       <a:srgbClr val="000000"/>
                     </a:solidFill>
@@ -11999,7 +11910,7 @@
               </a:ln>
               <a:extLst>
                 <a:ext uri="{91240B29-F687-4f45-9708-019B960494DF}">
-                  <a14:hiddenLine xmlns="" xmlns:a14="http://schemas.microsoft.com/office/drawing/2010/main" w="9525">
+                  <a14:hiddenLine xmlns:a14="http://schemas.microsoft.com/office/drawing/2010/main" xmlns="" w="9525">
                     <a:solidFill>
                       <a:srgbClr val="000000"/>
                     </a:solidFill>
@@ -12089,7 +12000,7 @@
               </a:ln>
               <a:extLst>
                 <a:ext uri="{91240B29-F687-4f45-9708-019B960494DF}">
-                  <a14:hiddenLine xmlns="" xmlns:a14="http://schemas.microsoft.com/office/drawing/2010/main" w="9525">
+                  <a14:hiddenLine xmlns:a14="http://schemas.microsoft.com/office/drawing/2010/main" xmlns="" w="9525">
                     <a:solidFill>
                       <a:srgbClr val="000000"/>
                     </a:solidFill>
@@ -12151,7 +12062,7 @@
               </a:ln>
               <a:extLst>
                 <a:ext uri="{91240B29-F687-4f45-9708-019B960494DF}">
-                  <a14:hiddenLine xmlns="" xmlns:a14="http://schemas.microsoft.com/office/drawing/2010/main" w="9525">
+                  <a14:hiddenLine xmlns:a14="http://schemas.microsoft.com/office/drawing/2010/main" xmlns="" w="9525">
                     <a:solidFill>
                       <a:srgbClr val="000000"/>
                     </a:solidFill>
@@ -12261,7 +12172,7 @@
               </a:ln>
               <a:extLst>
                 <a:ext uri="{91240B29-F687-4f45-9708-019B960494DF}">
-                  <a14:hiddenLine xmlns="" xmlns:a14="http://schemas.microsoft.com/office/drawing/2010/main" w="9525">
+                  <a14:hiddenLine xmlns:a14="http://schemas.microsoft.com/office/drawing/2010/main" xmlns="" w="9525">
                     <a:solidFill>
                       <a:srgbClr val="000000"/>
                     </a:solidFill>
@@ -12345,7 +12256,7 @@
               </a:ln>
               <a:extLst>
                 <a:ext uri="{91240B29-F687-4f45-9708-019B960494DF}">
-                  <a14:hiddenLine xmlns="" xmlns:a14="http://schemas.microsoft.com/office/drawing/2010/main" w="9525">
+                  <a14:hiddenLine xmlns:a14="http://schemas.microsoft.com/office/drawing/2010/main" xmlns="" w="9525">
                     <a:solidFill>
                       <a:srgbClr val="000000"/>
                     </a:solidFill>
@@ -12407,7 +12318,7 @@
               </a:ln>
               <a:extLst>
                 <a:ext uri="{91240B29-F687-4f45-9708-019B960494DF}">
-                  <a14:hiddenLine xmlns="" xmlns:a14="http://schemas.microsoft.com/office/drawing/2010/main" w="9525">
+                  <a14:hiddenLine xmlns:a14="http://schemas.microsoft.com/office/drawing/2010/main" xmlns="" w="9525">
                     <a:solidFill>
                       <a:srgbClr val="000000"/>
                     </a:solidFill>
@@ -12469,7 +12380,7 @@
               </a:ln>
               <a:extLst>
                 <a:ext uri="{91240B29-F687-4f45-9708-019B960494DF}">
-                  <a14:hiddenLine xmlns="" xmlns:a14="http://schemas.microsoft.com/office/drawing/2010/main" w="9525">
+                  <a14:hiddenLine xmlns:a14="http://schemas.microsoft.com/office/drawing/2010/main" xmlns="" w="9525">
                     <a:solidFill>
                       <a:srgbClr val="000000"/>
                     </a:solidFill>
@@ -12559,7 +12470,7 @@
               </a:ln>
               <a:extLst>
                 <a:ext uri="{91240B29-F687-4f45-9708-019B960494DF}">
-                  <a14:hiddenLine xmlns="" xmlns:a14="http://schemas.microsoft.com/office/drawing/2010/main" w="9525">
+                  <a14:hiddenLine xmlns:a14="http://schemas.microsoft.com/office/drawing/2010/main" xmlns="" w="9525">
                     <a:solidFill>
                       <a:srgbClr val="000000"/>
                     </a:solidFill>
@@ -12593,7 +12504,7 @@
               </a:ln>
               <a:extLst>
                 <a:ext uri="{91240B29-F687-4f45-9708-019B960494DF}">
-                  <a14:hiddenLine xmlns="" xmlns:a14="http://schemas.microsoft.com/office/drawing/2010/main" w="9525">
+                  <a14:hiddenLine xmlns:a14="http://schemas.microsoft.com/office/drawing/2010/main" xmlns="" w="9525">
                     <a:solidFill>
                       <a:srgbClr val="000000"/>
                     </a:solidFill>
@@ -12658,7 +12569,7 @@
               </a:ln>
               <a:extLst>
                 <a:ext uri="{91240B29-F687-4f45-9708-019B960494DF}">
-                  <a14:hiddenLine xmlns="" xmlns:a14="http://schemas.microsoft.com/office/drawing/2010/main" w="9525">
+                  <a14:hiddenLine xmlns:a14="http://schemas.microsoft.com/office/drawing/2010/main" xmlns="" w="9525">
                     <a:solidFill>
                       <a:srgbClr val="000000"/>
                     </a:solidFill>
@@ -12748,7 +12659,7 @@
               </a:ln>
               <a:extLst>
                 <a:ext uri="{91240B29-F687-4f45-9708-019B960494DF}">
-                  <a14:hiddenLine xmlns="" xmlns:a14="http://schemas.microsoft.com/office/drawing/2010/main" w="9525">
+                  <a14:hiddenLine xmlns:a14="http://schemas.microsoft.com/office/drawing/2010/main" xmlns="" w="9525">
                     <a:solidFill>
                       <a:srgbClr val="000000"/>
                     </a:solidFill>
@@ -12810,7 +12721,7 @@
               </a:ln>
               <a:extLst>
                 <a:ext uri="{91240B29-F687-4f45-9708-019B960494DF}">
-                  <a14:hiddenLine xmlns="" xmlns:a14="http://schemas.microsoft.com/office/drawing/2010/main" w="9525">
+                  <a14:hiddenLine xmlns:a14="http://schemas.microsoft.com/office/drawing/2010/main" xmlns="" w="9525">
                     <a:solidFill>
                       <a:srgbClr val="000000"/>
                     </a:solidFill>
@@ -12900,7 +12811,7 @@
               </a:ln>
               <a:extLst>
                 <a:ext uri="{91240B29-F687-4f45-9708-019B960494DF}">
-                  <a14:hiddenLine xmlns="" xmlns:a14="http://schemas.microsoft.com/office/drawing/2010/main" w="9525">
+                  <a14:hiddenLine xmlns:a14="http://schemas.microsoft.com/office/drawing/2010/main" xmlns="" w="9525">
                     <a:solidFill>
                       <a:srgbClr val="000000"/>
                     </a:solidFill>
@@ -12965,7 +12876,7 @@
               </a:ln>
               <a:extLst>
                 <a:ext uri="{91240B29-F687-4f45-9708-019B960494DF}">
-                  <a14:hiddenLine xmlns="" xmlns:a14="http://schemas.microsoft.com/office/drawing/2010/main" w="9525">
+                  <a14:hiddenLine xmlns:a14="http://schemas.microsoft.com/office/drawing/2010/main" xmlns="" w="9525">
                     <a:solidFill>
                       <a:srgbClr val="000000"/>
                     </a:solidFill>
@@ -13027,7 +12938,7 @@
               </a:ln>
               <a:extLst>
                 <a:ext uri="{91240B29-F687-4f45-9708-019B960494DF}">
-                  <a14:hiddenLine xmlns="" xmlns:a14="http://schemas.microsoft.com/office/drawing/2010/main" w="9525">
+                  <a14:hiddenLine xmlns:a14="http://schemas.microsoft.com/office/drawing/2010/main" xmlns="" w="9525">
                     <a:solidFill>
                       <a:srgbClr val="000000"/>
                     </a:solidFill>
@@ -13117,7 +13028,7 @@
               </a:ln>
               <a:extLst>
                 <a:ext uri="{91240B29-F687-4f45-9708-019B960494DF}">
-                  <a14:hiddenLine xmlns="" xmlns:a14="http://schemas.microsoft.com/office/drawing/2010/main" w="9525">
+                  <a14:hiddenLine xmlns:a14="http://schemas.microsoft.com/office/drawing/2010/main" xmlns="" w="9525">
                     <a:solidFill>
                       <a:srgbClr val="000000"/>
                     </a:solidFill>
@@ -13207,7 +13118,7 @@
               </a:ln>
               <a:extLst>
                 <a:ext uri="{91240B29-F687-4f45-9708-019B960494DF}">
-                  <a14:hiddenLine xmlns="" xmlns:a14="http://schemas.microsoft.com/office/drawing/2010/main" w="9525">
+                  <a14:hiddenLine xmlns:a14="http://schemas.microsoft.com/office/drawing/2010/main" xmlns="" w="9525">
                     <a:solidFill>
                       <a:srgbClr val="000000"/>
                     </a:solidFill>
@@ -13272,7 +13183,7 @@
               </a:ln>
               <a:extLst>
                 <a:ext uri="{91240B29-F687-4f45-9708-019B960494DF}">
-                  <a14:hiddenLine xmlns="" xmlns:a14="http://schemas.microsoft.com/office/drawing/2010/main" w="9525">
+                  <a14:hiddenLine xmlns:a14="http://schemas.microsoft.com/office/drawing/2010/main" xmlns="" w="9525">
                     <a:solidFill>
                       <a:srgbClr val="000000"/>
                     </a:solidFill>
@@ -13392,7 +13303,7 @@
               </a:ln>
               <a:extLst>
                 <a:ext uri="{91240B29-F687-4f45-9708-019B960494DF}">
-                  <a14:hiddenLine xmlns="" xmlns:a14="http://schemas.microsoft.com/office/drawing/2010/main" w="9525">
+                  <a14:hiddenLine xmlns:a14="http://schemas.microsoft.com/office/drawing/2010/main" xmlns="" w="9525">
                     <a:solidFill>
                       <a:srgbClr val="000000"/>
                     </a:solidFill>
@@ -13473,7 +13384,7 @@
               </a:ln>
               <a:extLst>
                 <a:ext uri="{91240B29-F687-4f45-9708-019B960494DF}">
-                  <a14:hiddenLine xmlns="" xmlns:a14="http://schemas.microsoft.com/office/drawing/2010/main" w="9525">
+                  <a14:hiddenLine xmlns:a14="http://schemas.microsoft.com/office/drawing/2010/main" xmlns="" w="9525">
                     <a:solidFill>
                       <a:srgbClr val="000000"/>
                     </a:solidFill>
@@ -13588,7 +13499,7 @@
               </a:ln>
               <a:extLst>
                 <a:ext uri="{91240B29-F687-4f45-9708-019B960494DF}">
-                  <a14:hiddenLine xmlns="" xmlns:a14="http://schemas.microsoft.com/office/drawing/2010/main" w="9525">
+                  <a14:hiddenLine xmlns:a14="http://schemas.microsoft.com/office/drawing/2010/main" xmlns="" w="9525">
                     <a:solidFill>
                       <a:srgbClr val="000000"/>
                     </a:solidFill>
@@ -13678,7 +13589,7 @@
               </a:ln>
               <a:extLst>
                 <a:ext uri="{91240B29-F687-4f45-9708-019B960494DF}">
-                  <a14:hiddenLine xmlns="" xmlns:a14="http://schemas.microsoft.com/office/drawing/2010/main" w="9525">
+                  <a14:hiddenLine xmlns:a14="http://schemas.microsoft.com/office/drawing/2010/main" xmlns="" w="9525">
                     <a:solidFill>
                       <a:srgbClr val="000000"/>
                     </a:solidFill>
@@ -13743,7 +13654,7 @@
               </a:ln>
               <a:extLst>
                 <a:ext uri="{91240B29-F687-4f45-9708-019B960494DF}">
-                  <a14:hiddenLine xmlns="" xmlns:a14="http://schemas.microsoft.com/office/drawing/2010/main" w="9525">
+                  <a14:hiddenLine xmlns:a14="http://schemas.microsoft.com/office/drawing/2010/main" xmlns="" w="9525">
                     <a:solidFill>
                       <a:srgbClr val="000000"/>
                     </a:solidFill>
@@ -13833,7 +13744,7 @@
               </a:ln>
               <a:extLst>
                 <a:ext uri="{91240B29-F687-4f45-9708-019B960494DF}">
-                  <a14:hiddenLine xmlns="" xmlns:a14="http://schemas.microsoft.com/office/drawing/2010/main" w="9525">
+                  <a14:hiddenLine xmlns:a14="http://schemas.microsoft.com/office/drawing/2010/main" xmlns="" w="9525">
                     <a:solidFill>
                       <a:srgbClr val="000000"/>
                     </a:solidFill>
@@ -13901,7 +13812,7 @@
               </a:ln>
               <a:extLst>
                 <a:ext uri="{91240B29-F687-4f45-9708-019B960494DF}">
-                  <a14:hiddenLine xmlns="" xmlns:a14="http://schemas.microsoft.com/office/drawing/2010/main" w="9525">
+                  <a14:hiddenLine xmlns:a14="http://schemas.microsoft.com/office/drawing/2010/main" xmlns="" w="9525">
                     <a:solidFill>
                       <a:srgbClr val="000000"/>
                     </a:solidFill>
@@ -13991,7 +13902,7 @@
               </a:ln>
               <a:extLst>
                 <a:ext uri="{91240B29-F687-4f45-9708-019B960494DF}">
-                  <a14:hiddenLine xmlns="" xmlns:a14="http://schemas.microsoft.com/office/drawing/2010/main" w="9525">
+                  <a14:hiddenLine xmlns:a14="http://schemas.microsoft.com/office/drawing/2010/main" xmlns="" w="9525">
                     <a:solidFill>
                       <a:srgbClr val="000000"/>
                     </a:solidFill>
@@ -14059,7 +13970,7 @@
               </a:ln>
               <a:extLst>
                 <a:ext uri="{91240B29-F687-4f45-9708-019B960494DF}">
-                  <a14:hiddenLine xmlns="" xmlns:a14="http://schemas.microsoft.com/office/drawing/2010/main" w="9525">
+                  <a14:hiddenLine xmlns:a14="http://schemas.microsoft.com/office/drawing/2010/main" xmlns="" w="9525">
                     <a:solidFill>
                       <a:srgbClr val="000000"/>
                     </a:solidFill>
@@ -14149,7 +14060,7 @@
               </a:ln>
               <a:extLst>
                 <a:ext uri="{91240B29-F687-4f45-9708-019B960494DF}">
-                  <a14:hiddenLine xmlns="" xmlns:a14="http://schemas.microsoft.com/office/drawing/2010/main" w="9525">
+                  <a14:hiddenLine xmlns:a14="http://schemas.microsoft.com/office/drawing/2010/main" xmlns="" w="9525">
                     <a:solidFill>
                       <a:srgbClr val="000000"/>
                     </a:solidFill>
@@ -14183,7 +14094,7 @@
               </a:ln>
               <a:extLst>
                 <a:ext uri="{91240B29-F687-4f45-9708-019B960494DF}">
-                  <a14:hiddenLine xmlns="" xmlns:a14="http://schemas.microsoft.com/office/drawing/2010/main" w="9525">
+                  <a14:hiddenLine xmlns:a14="http://schemas.microsoft.com/office/drawing/2010/main" xmlns="" w="9525">
                     <a:solidFill>
                       <a:srgbClr val="000000"/>
                     </a:solidFill>
@@ -14323,7 +14234,7 @@
           <a:p>
             <a:fld id="{E83C38DC-B71F-497C-BC4F-CE0A9287F608}" type="datetimeFigureOut">
               <a:rPr lang="de-DE" smtClean="0"/>
-              <a:t>29.08.2019</a:t>
+              <a:t>01.09.2019</a:t>
             </a:fld>
             <a:endParaRPr lang="de-DE"/>
           </a:p>
@@ -14884,7 +14795,7 @@
           <p:cNvPr id="2" name="Titel 1">
             <a:extLst>
               <a:ext uri="{FF2B5EF4-FFF2-40B4-BE49-F238E27FC236}">
-                <a16:creationId xmlns:a16="http://schemas.microsoft.com/office/drawing/2014/main" id="{0528C529-0D97-4786-8ECB-A921C668820D}"/>
+                <a16:creationId xmlns:a16="http://schemas.microsoft.com/office/drawing/2014/main" id="{A49A1DAD-DBFC-471C-862A-A1D704CAD3D3}"/>
               </a:ext>
             </a:extLst>
           </p:cNvPr>
@@ -14902,17 +14813,17 @@
           <a:p>
             <a:r>
               <a:rPr lang="de-DE" dirty="0"/>
-              <a:t>Theoretischer Teil 1d) ii) Part 1</a:t>
-            </a:r>
-          </a:p>
-        </p:txBody>
-      </p:sp>
-      <p:sp>
-        <p:nvSpPr>
-          <p:cNvPr id="5" name="Inhaltsplatzhalter 4">
+              <a:t>Theoretischer Teil 1D) i)</a:t>
+            </a:r>
+          </a:p>
+        </p:txBody>
+      </p:sp>
+      <p:sp>
+        <p:nvSpPr>
+          <p:cNvPr id="3" name="Inhaltsplatzhalter 2">
             <a:extLst>
               <a:ext uri="{FF2B5EF4-FFF2-40B4-BE49-F238E27FC236}">
-                <a16:creationId xmlns:a16="http://schemas.microsoft.com/office/drawing/2014/main" id="{09671C9B-A696-4072-BEF9-FE85F4CCABBF}"/>
+                <a16:creationId xmlns:a16="http://schemas.microsoft.com/office/drawing/2014/main" id="{D1B0A858-DAC5-4B3A-AED3-CCD65C9F2A9A}"/>
               </a:ext>
             </a:extLst>
           </p:cNvPr>
@@ -14935,7 +14846,7 @@
     </p:spTree>
     <p:extLst>
       <p:ext uri="{BB962C8B-B14F-4D97-AF65-F5344CB8AC3E}">
-        <p14:creationId xmlns:p14="http://schemas.microsoft.com/office/powerpoint/2010/main" val="68877139"/>
+        <p14:creationId xmlns:p14="http://schemas.microsoft.com/office/powerpoint/2010/main" val="1916389039"/>
       </p:ext>
     </p:extLst>
   </p:cSld>
@@ -14967,7 +14878,7 @@
           <p:cNvPr id="2" name="Titel 1">
             <a:extLst>
               <a:ext uri="{FF2B5EF4-FFF2-40B4-BE49-F238E27FC236}">
-                <a16:creationId xmlns:a16="http://schemas.microsoft.com/office/drawing/2014/main" id="{32139771-43FB-469D-B848-1EB0162189DA}"/>
+                <a16:creationId xmlns:a16="http://schemas.microsoft.com/office/drawing/2014/main" id="{0528C529-0D97-4786-8ECB-A921C668820D}"/>
               </a:ext>
             </a:extLst>
           </p:cNvPr>
@@ -14985,17 +14896,17 @@
           <a:p>
             <a:r>
               <a:rPr lang="de-DE" dirty="0"/>
-              <a:t>Theoretischer Teil 1D) II) Part 2</a:t>
-            </a:r>
-          </a:p>
-        </p:txBody>
-      </p:sp>
-      <p:sp>
-        <p:nvSpPr>
-          <p:cNvPr id="3" name="Inhaltsplatzhalter 2">
+              <a:t>Theoretischer Teil 1d) ii) Part 1</a:t>
+            </a:r>
+          </a:p>
+        </p:txBody>
+      </p:sp>
+      <p:sp>
+        <p:nvSpPr>
+          <p:cNvPr id="5" name="Inhaltsplatzhalter 4">
             <a:extLst>
               <a:ext uri="{FF2B5EF4-FFF2-40B4-BE49-F238E27FC236}">
-                <a16:creationId xmlns:a16="http://schemas.microsoft.com/office/drawing/2014/main" id="{E9FB9B60-4EFF-4A52-808A-74342548F695}"/>
+                <a16:creationId xmlns:a16="http://schemas.microsoft.com/office/drawing/2014/main" id="{09671C9B-A696-4072-BEF9-FE85F4CCABBF}"/>
               </a:ext>
             </a:extLst>
           </p:cNvPr>
@@ -15018,7 +14929,7 @@
     </p:spTree>
     <p:extLst>
       <p:ext uri="{BB962C8B-B14F-4D97-AF65-F5344CB8AC3E}">
-        <p14:creationId xmlns:p14="http://schemas.microsoft.com/office/powerpoint/2010/main" val="2142849847"/>
+        <p14:creationId xmlns:p14="http://schemas.microsoft.com/office/powerpoint/2010/main" val="68877139"/>
       </p:ext>
     </p:extLst>
   </p:cSld>
@@ -15068,7 +14979,7 @@
           <a:p>
             <a:r>
               <a:rPr lang="de-DE" dirty="0"/>
-              <a:t>Theoretischer Teil 1E)</a:t>
+              <a:t>Theoretischer Teil 1D) II) Part 2</a:t>
             </a:r>
           </a:p>
         </p:txBody>
@@ -15101,7 +15012,7 @@
     </p:spTree>
     <p:extLst>
       <p:ext uri="{BB962C8B-B14F-4D97-AF65-F5344CB8AC3E}">
-        <p14:creationId xmlns:p14="http://schemas.microsoft.com/office/powerpoint/2010/main" val="1221598767"/>
+        <p14:creationId xmlns:p14="http://schemas.microsoft.com/office/powerpoint/2010/main" val="2142849847"/>
       </p:ext>
     </p:extLst>
   </p:cSld>
@@ -15151,7 +15062,7 @@
           <a:p>
             <a:r>
               <a:rPr lang="de-DE" dirty="0"/>
-              <a:t>Theoretischer Teil 1F)</a:t>
+              <a:t>Theoretischer Teil 1E)</a:t>
             </a:r>
           </a:p>
         </p:txBody>
@@ -15184,7 +15095,7 @@
     </p:spTree>
     <p:extLst>
       <p:ext uri="{BB962C8B-B14F-4D97-AF65-F5344CB8AC3E}">
-        <p14:creationId xmlns:p14="http://schemas.microsoft.com/office/powerpoint/2010/main" val="3003009857"/>
+        <p14:creationId xmlns:p14="http://schemas.microsoft.com/office/powerpoint/2010/main" val="1221598767"/>
       </p:ext>
     </p:extLst>
   </p:cSld>
@@ -15216,7 +15127,7 @@
           <p:cNvPr id="2" name="Titel 1">
             <a:extLst>
               <a:ext uri="{FF2B5EF4-FFF2-40B4-BE49-F238E27FC236}">
-                <a16:creationId xmlns:a16="http://schemas.microsoft.com/office/drawing/2014/main" id="{1CCD4299-A907-4A73-B986-5D821C9B50E8}"/>
+                <a16:creationId xmlns:a16="http://schemas.microsoft.com/office/drawing/2014/main" id="{32139771-43FB-469D-B848-1EB0162189DA}"/>
               </a:ext>
             </a:extLst>
           </p:cNvPr>
@@ -15234,7 +15145,7 @@
           <a:p>
             <a:r>
               <a:rPr lang="de-DE" dirty="0"/>
-              <a:t>Praktischer Teil 2a)</a:t>
+              <a:t>Theoretischer Teil 1F)</a:t>
             </a:r>
           </a:p>
         </p:txBody>
@@ -15244,7 +15155,7 @@
           <p:cNvPr id="3" name="Inhaltsplatzhalter 2">
             <a:extLst>
               <a:ext uri="{FF2B5EF4-FFF2-40B4-BE49-F238E27FC236}">
-                <a16:creationId xmlns:a16="http://schemas.microsoft.com/office/drawing/2014/main" id="{34454B60-44EE-4A35-8050-1A6C828299B9}"/>
+                <a16:creationId xmlns:a16="http://schemas.microsoft.com/office/drawing/2014/main" id="{E9FB9B60-4EFF-4A52-808A-74342548F695}"/>
               </a:ext>
             </a:extLst>
           </p:cNvPr>
@@ -15260,14 +15171,97 @@
           <a:bodyPr/>
           <a:lstStyle/>
           <a:p>
-            <a:endParaRPr lang="de-DE"/>
+            <a:r>
+              <a:rPr lang="de-DE" b="1" dirty="0"/>
+              <a:t>Integration von CDCL in Algorithmus B</a:t>
+            </a:r>
+          </a:p>
+          <a:p>
+            <a:r>
+              <a:rPr lang="de-DE" dirty="0"/>
+              <a:t>Prüfe in Schritt 1 zunächst alle </a:t>
+            </a:r>
+            <a:r>
+              <a:rPr lang="de-DE" dirty="0" err="1"/>
+              <a:t>Constraints</a:t>
+            </a:r>
+            <a:r>
+              <a:rPr lang="de-DE" dirty="0"/>
+              <a:t> für p</a:t>
+            </a:r>
+          </a:p>
+          <a:p>
+            <a:r>
+              <a:rPr lang="de-DE" dirty="0"/>
+              <a:t>Wenn ein </a:t>
+            </a:r>
+            <a:r>
+              <a:rPr lang="de-DE" dirty="0" err="1"/>
+              <a:t>Constraint</a:t>
+            </a:r>
+            <a:r>
+              <a:rPr lang="de-DE" dirty="0"/>
+              <a:t> </a:t>
+            </a:r>
+            <a:r>
+              <a:rPr lang="de-DE" dirty="0" err="1"/>
+              <a:t>inconclusive</a:t>
+            </a:r>
+            <a:r>
+              <a:rPr lang="de-DE" dirty="0"/>
+              <a:t> oder </a:t>
+            </a:r>
+            <a:r>
+              <a:rPr lang="de-DE" dirty="0" err="1"/>
+              <a:t>false</a:t>
+            </a:r>
+            <a:r>
+              <a:rPr lang="de-DE" dirty="0"/>
+              <a:t> ist, wird CDCL angewendet</a:t>
+            </a:r>
+          </a:p>
+          <a:p>
+            <a:pPr lvl="1"/>
+            <a:r>
+              <a:rPr lang="de-DE" dirty="0"/>
+              <a:t>Es werden nur die Variablen betrachtet, die in den </a:t>
+            </a:r>
+            <a:r>
+              <a:rPr lang="de-DE" dirty="0" err="1"/>
+              <a:t>Constraints</a:t>
+            </a:r>
+            <a:r>
+              <a:rPr lang="de-DE" dirty="0"/>
+              <a:t> vorkommen</a:t>
+            </a:r>
+          </a:p>
+          <a:p>
+            <a:pPr lvl="1"/>
+            <a:r>
+              <a:rPr lang="de-DE" dirty="0"/>
+              <a:t>Bei einem Conflict wird eine zusätzliche Conflict </a:t>
+            </a:r>
+            <a:r>
+              <a:rPr lang="de-DE" dirty="0" err="1"/>
+              <a:t>Clause</a:t>
+            </a:r>
+            <a:r>
+              <a:rPr lang="de-DE" dirty="0"/>
+              <a:t> hinzugefügt</a:t>
+            </a:r>
+          </a:p>
+          <a:p>
+            <a:r>
+              <a:rPr lang="de-DE" dirty="0"/>
+              <a:t>Anschließend wird mit Schritt 2 respektive Schritt 3 weiterverfahren.</a:t>
+            </a:r>
           </a:p>
         </p:txBody>
       </p:sp>
     </p:spTree>
     <p:extLst>
       <p:ext uri="{BB962C8B-B14F-4D97-AF65-F5344CB8AC3E}">
-        <p14:creationId xmlns:p14="http://schemas.microsoft.com/office/powerpoint/2010/main" val="3571046741"/>
+        <p14:creationId xmlns:p14="http://schemas.microsoft.com/office/powerpoint/2010/main" val="3003009857"/>
       </p:ext>
     </p:extLst>
   </p:cSld>
@@ -15299,7 +15293,7 @@
           <p:cNvPr id="2" name="Titel 1">
             <a:extLst>
               <a:ext uri="{FF2B5EF4-FFF2-40B4-BE49-F238E27FC236}">
-                <a16:creationId xmlns:a16="http://schemas.microsoft.com/office/drawing/2014/main" id="{38860CD6-4C98-4093-816F-B9280096A376}"/>
+                <a16:creationId xmlns:a16="http://schemas.microsoft.com/office/drawing/2014/main" id="{1CCD4299-A907-4A73-B986-5D821C9B50E8}"/>
               </a:ext>
             </a:extLst>
           </p:cNvPr>
@@ -15317,7 +15311,7 @@
           <a:p>
             <a:r>
               <a:rPr lang="de-DE" dirty="0"/>
-              <a:t>Praktischer Teil 2b)</a:t>
+              <a:t>Praktischer Teil 2a)</a:t>
             </a:r>
           </a:p>
         </p:txBody>
@@ -15327,7 +15321,7 @@
           <p:cNvPr id="3" name="Inhaltsplatzhalter 2">
             <a:extLst>
               <a:ext uri="{FF2B5EF4-FFF2-40B4-BE49-F238E27FC236}">
-                <a16:creationId xmlns:a16="http://schemas.microsoft.com/office/drawing/2014/main" id="{9752E1F1-10EF-4751-B270-A3421666438D}"/>
+                <a16:creationId xmlns:a16="http://schemas.microsoft.com/office/drawing/2014/main" id="{34454B60-44EE-4A35-8050-1A6C828299B9}"/>
               </a:ext>
             </a:extLst>
           </p:cNvPr>
@@ -15350,7 +15344,7 @@
     </p:spTree>
     <p:extLst>
       <p:ext uri="{BB962C8B-B14F-4D97-AF65-F5344CB8AC3E}">
-        <p14:creationId xmlns:p14="http://schemas.microsoft.com/office/powerpoint/2010/main" val="471227074"/>
+        <p14:creationId xmlns:p14="http://schemas.microsoft.com/office/powerpoint/2010/main" val="3571046741"/>
       </p:ext>
     </p:extLst>
   </p:cSld>
@@ -15382,7 +15376,7 @@
           <p:cNvPr id="2" name="Titel 1">
             <a:extLst>
               <a:ext uri="{FF2B5EF4-FFF2-40B4-BE49-F238E27FC236}">
-                <a16:creationId xmlns:a16="http://schemas.microsoft.com/office/drawing/2014/main" id="{5888B25C-356A-4512-9145-F3421441C6D4}"/>
+                <a16:creationId xmlns:a16="http://schemas.microsoft.com/office/drawing/2014/main" id="{38860CD6-4C98-4093-816F-B9280096A376}"/>
               </a:ext>
             </a:extLst>
           </p:cNvPr>
@@ -15400,7 +15394,7 @@
           <a:p>
             <a:r>
               <a:rPr lang="de-DE" dirty="0"/>
-              <a:t>Praktischer Teil 2C)</a:t>
+              <a:t>Praktischer Teil 2b)</a:t>
             </a:r>
           </a:p>
         </p:txBody>
@@ -15410,7 +15404,7 @@
           <p:cNvPr id="3" name="Inhaltsplatzhalter 2">
             <a:extLst>
               <a:ext uri="{FF2B5EF4-FFF2-40B4-BE49-F238E27FC236}">
-                <a16:creationId xmlns:a16="http://schemas.microsoft.com/office/drawing/2014/main" id="{CB3D3729-6922-4D29-9189-C6200323AC23}"/>
+                <a16:creationId xmlns:a16="http://schemas.microsoft.com/office/drawing/2014/main" id="{9752E1F1-10EF-4751-B270-A3421666438D}"/>
               </a:ext>
             </a:extLst>
           </p:cNvPr>
@@ -15426,14 +15420,89 @@
           <a:bodyPr/>
           <a:lstStyle/>
           <a:p>
-            <a:endParaRPr lang="de-DE"/>
+            <a:r>
+              <a:rPr lang="de-DE" b="1" dirty="0"/>
+              <a:t>Implementiere eine Parser</a:t>
+            </a:r>
+          </a:p>
+          <a:p>
+            <a:r>
+              <a:rPr lang="de-DE" dirty="0"/>
+              <a:t>Der Parser erkennt </a:t>
+            </a:r>
+            <a:r>
+              <a:rPr lang="de-DE" dirty="0" err="1"/>
+              <a:t>Constraints</a:t>
+            </a:r>
+            <a:r>
+              <a:rPr lang="de-DE" dirty="0"/>
+              <a:t> jeder Art, sowie 10 &gt;= 4</a:t>
+            </a:r>
+          </a:p>
+          <a:p>
+            <a:r>
+              <a:rPr lang="de-DE" dirty="0"/>
+              <a:t>Funktionsweise:</a:t>
+            </a:r>
+          </a:p>
+          <a:p>
+            <a:pPr lvl="1"/>
+            <a:r>
+              <a:rPr lang="de-DE" dirty="0" err="1"/>
+              <a:t>Domainenerkennung</a:t>
+            </a:r>
+            <a:r>
+              <a:rPr lang="de-DE" dirty="0"/>
+              <a:t> und </a:t>
+            </a:r>
+            <a:r>
+              <a:rPr lang="de-DE" dirty="0" err="1"/>
+              <a:t>Constraintserkennung</a:t>
+            </a:r>
+            <a:r>
+              <a:rPr lang="de-DE" dirty="0"/>
+              <a:t> nach Befehl „DECL“ und „FORMULA“</a:t>
+            </a:r>
+          </a:p>
+          <a:p>
+            <a:pPr lvl="1"/>
+            <a:r>
+              <a:rPr lang="de-DE" dirty="0" err="1"/>
+              <a:t>Constraintsunterteilung</a:t>
+            </a:r>
+            <a:r>
+              <a:rPr lang="de-DE" dirty="0"/>
+              <a:t> nach Zeichen „;“, </a:t>
+            </a:r>
+            <a:r>
+              <a:rPr lang="de-DE" dirty="0" err="1"/>
+              <a:t>Boundsunterteilung</a:t>
+            </a:r>
+            <a:r>
+              <a:rPr lang="de-DE" dirty="0"/>
+              <a:t> nach Zeichen „v“</a:t>
+            </a:r>
+          </a:p>
+          <a:p>
+            <a:pPr lvl="1"/>
+            <a:r>
+              <a:rPr lang="de-DE" dirty="0"/>
+              <a:t>Identifikation der Seiten eines Bounds durch Zeichen „&gt;=“</a:t>
+            </a:r>
+          </a:p>
+          <a:p>
+            <a:pPr lvl="1"/>
+            <a:r>
+              <a:rPr lang="de-DE" dirty="0"/>
+              <a:t>Eliminierung aller überflüssigen Zeichen</a:t>
+            </a:r>
           </a:p>
         </p:txBody>
       </p:sp>
     </p:spTree>
     <p:extLst>
       <p:ext uri="{BB962C8B-B14F-4D97-AF65-F5344CB8AC3E}">
-        <p14:creationId xmlns:p14="http://schemas.microsoft.com/office/powerpoint/2010/main" val="2714700019"/>
+        <p14:creationId xmlns:p14="http://schemas.microsoft.com/office/powerpoint/2010/main" val="471227074"/>
       </p:ext>
     </p:extLst>
   </p:cSld>
@@ -15465,7 +15534,7 @@
           <p:cNvPr id="2" name="Titel 1">
             <a:extLst>
               <a:ext uri="{FF2B5EF4-FFF2-40B4-BE49-F238E27FC236}">
-                <a16:creationId xmlns:a16="http://schemas.microsoft.com/office/drawing/2014/main" id="{3A7B0BF6-2F2C-4F36-8AD2-A65A434D12C8}"/>
+                <a16:creationId xmlns:a16="http://schemas.microsoft.com/office/drawing/2014/main" id="{6F42F2B3-7447-4881-9E5D-004DEC39F685}"/>
               </a:ext>
             </a:extLst>
           </p:cNvPr>
@@ -15483,7 +15552,7 @@
           <a:p>
             <a:r>
               <a:rPr lang="de-DE" dirty="0"/>
-              <a:t>Praktischer Teil 2d)</a:t>
+              <a:t>CSP</a:t>
             </a:r>
           </a:p>
         </p:txBody>
@@ -15493,7 +15562,7 @@
           <p:cNvPr id="3" name="Inhaltsplatzhalter 2">
             <a:extLst>
               <a:ext uri="{FF2B5EF4-FFF2-40B4-BE49-F238E27FC236}">
-                <a16:creationId xmlns:a16="http://schemas.microsoft.com/office/drawing/2014/main" id="{63BC6903-C3E1-49AC-BE32-5D699A97C02B}"/>
+                <a16:creationId xmlns:a16="http://schemas.microsoft.com/office/drawing/2014/main" id="{42E5B81B-4367-4CCD-B787-F7D872357FA8}"/>
               </a:ext>
             </a:extLst>
           </p:cNvPr>
@@ -15506,17 +15575,100 @@
         </p:nvSpPr>
         <p:spPr/>
         <p:txBody>
-          <a:bodyPr/>
+          <a:bodyPr>
+            <a:normAutofit fontScale="62500" lnSpcReduction="20000"/>
+          </a:bodyPr>
           <a:lstStyle/>
           <a:p>
-            <a:endParaRPr lang="de-DE"/>
+            <a:pPr marL="0" indent="0">
+              <a:buNone/>
+            </a:pPr>
+            <a:r>
+              <a:rPr lang="de-DE" dirty="0"/>
+              <a:t>DECL</a:t>
+            </a:r>
+          </a:p>
+          <a:p>
+            <a:pPr marL="0" indent="0">
+              <a:buNone/>
+            </a:pPr>
+            <a:r>
+              <a:rPr lang="de-DE" dirty="0"/>
+              <a:t>	x_0 0 0;</a:t>
+            </a:r>
+          </a:p>
+          <a:p>
+            <a:pPr marL="0" indent="0">
+              <a:buNone/>
+            </a:pPr>
+            <a:r>
+              <a:rPr lang="de-DE" dirty="0"/>
+              <a:t>	x_1 3 6;</a:t>
+            </a:r>
+          </a:p>
+          <a:p>
+            <a:pPr marL="0" indent="0">
+              <a:buNone/>
+            </a:pPr>
+            <a:r>
+              <a:rPr lang="de-DE" dirty="0"/>
+              <a:t>	x_2 -6 4;</a:t>
+            </a:r>
+          </a:p>
+          <a:p>
+            <a:pPr marL="0" indent="0">
+              <a:buNone/>
+            </a:pPr>
+            <a:r>
+              <a:rPr lang="de-DE" dirty="0"/>
+              <a:t>	x_3 -2 5;</a:t>
+            </a:r>
+          </a:p>
+          <a:p>
+            <a:endParaRPr lang="de-DE" dirty="0"/>
+          </a:p>
+          <a:p>
+            <a:pPr marL="0" indent="0">
+              <a:buNone/>
+            </a:pPr>
+            <a:r>
+              <a:rPr lang="de-DE" dirty="0"/>
+              <a:t>FORMULA</a:t>
+            </a:r>
+          </a:p>
+          <a:p>
+            <a:pPr marL="0" indent="0">
+              <a:buNone/>
+            </a:pPr>
+            <a:r>
+              <a:rPr lang="de-DE" dirty="0"/>
+              <a:t>	x_1 &gt;= x_0 + -1 v x_0 &gt;= x_1 + 3 v x_2 &gt;= x_1 + 3 v x_3 &gt;= x_2 + -1;</a:t>
+            </a:r>
+          </a:p>
+          <a:p>
+            <a:pPr marL="0" indent="0">
+              <a:buNone/>
+            </a:pPr>
+            <a:r>
+              <a:rPr lang="de-DE" dirty="0"/>
+              <a:t>	x_1 &gt;= x_0 + -4 v x_0 &gt;= x_2 + 6 v x_3 &gt;= x_2 + 4 v -10 &gt;= 4 ;</a:t>
+            </a:r>
+          </a:p>
+          <a:p>
+            <a:pPr marL="0" indent="0">
+              <a:buNone/>
+            </a:pPr>
+            <a:r>
+              <a:rPr lang="de-DE" dirty="0"/>
+              <a:t>	x_1 &gt;= x_0 + -2 v x_0 &gt;= x_3 + 6 v x_3 &gt;= x_1 + 0 v 4 &gt;= -10;</a:t>
+            </a:r>
           </a:p>
         </p:txBody>
       </p:sp>
     </p:spTree>
     <p:extLst>
       <p:ext uri="{BB962C8B-B14F-4D97-AF65-F5344CB8AC3E}">
-        <p14:creationId xmlns:p14="http://schemas.microsoft.com/office/powerpoint/2010/main" val="254811064"/>
+        <p14:creationId xmlns:p14="http://schemas.microsoft.com/office/powerpoint/2010/main" val="1697696246"/>
       </p:ext>
     </p:extLst>
   </p:cSld>
@@ -15548,7 +15700,7 @@
           <p:cNvPr id="2" name="Titel 1">
             <a:extLst>
               <a:ext uri="{FF2B5EF4-FFF2-40B4-BE49-F238E27FC236}">
-                <a16:creationId xmlns:a16="http://schemas.microsoft.com/office/drawing/2014/main" id="{1A0641E7-B625-46E0-BA8F-DC5FEA6BA077}"/>
+                <a16:creationId xmlns:a16="http://schemas.microsoft.com/office/drawing/2014/main" id="{5888B25C-356A-4512-9145-F3421441C6D4}"/>
               </a:ext>
             </a:extLst>
           </p:cNvPr>
@@ -15566,7 +15718,7 @@
           <a:p>
             <a:r>
               <a:rPr lang="de-DE" dirty="0"/>
-              <a:t>Praktischer Teil 2e)</a:t>
+              <a:t>Praktischer Teil 2C)</a:t>
             </a:r>
           </a:p>
         </p:txBody>
@@ -15576,7 +15728,7 @@
           <p:cNvPr id="3" name="Inhaltsplatzhalter 2">
             <a:extLst>
               <a:ext uri="{FF2B5EF4-FFF2-40B4-BE49-F238E27FC236}">
-                <a16:creationId xmlns:a16="http://schemas.microsoft.com/office/drawing/2014/main" id="{4AC94CD3-B462-458E-B8E3-BF157DF48F0C}"/>
+                <a16:creationId xmlns:a16="http://schemas.microsoft.com/office/drawing/2014/main" id="{CB3D3729-6922-4D29-9189-C6200323AC23}"/>
               </a:ext>
             </a:extLst>
           </p:cNvPr>
@@ -15599,7 +15751,7 @@
     </p:spTree>
     <p:extLst>
       <p:ext uri="{BB962C8B-B14F-4D97-AF65-F5344CB8AC3E}">
-        <p14:creationId xmlns:p14="http://schemas.microsoft.com/office/powerpoint/2010/main" val="613773826"/>
+        <p14:creationId xmlns:p14="http://schemas.microsoft.com/office/powerpoint/2010/main" val="2714700019"/>
       </p:ext>
     </p:extLst>
   </p:cSld>
@@ -15631,7 +15783,7 @@
           <p:cNvPr id="2" name="Titel 1">
             <a:extLst>
               <a:ext uri="{FF2B5EF4-FFF2-40B4-BE49-F238E27FC236}">
-                <a16:creationId xmlns:a16="http://schemas.microsoft.com/office/drawing/2014/main" id="{2024AF52-D2F0-4686-B055-E9B40C6D8563}"/>
+                <a16:creationId xmlns:a16="http://schemas.microsoft.com/office/drawing/2014/main" id="{3A7B0BF6-2F2C-4F36-8AD2-A65A434D12C8}"/>
               </a:ext>
             </a:extLst>
           </p:cNvPr>
@@ -15649,7 +15801,7 @@
           <a:p>
             <a:r>
               <a:rPr lang="de-DE" dirty="0"/>
-              <a:t>Praktischer Teil 2f)</a:t>
+              <a:t>Praktischer Teil 2d)</a:t>
             </a:r>
           </a:p>
         </p:txBody>
@@ -15659,7 +15811,7 @@
           <p:cNvPr id="3" name="Inhaltsplatzhalter 2">
             <a:extLst>
               <a:ext uri="{FF2B5EF4-FFF2-40B4-BE49-F238E27FC236}">
-                <a16:creationId xmlns:a16="http://schemas.microsoft.com/office/drawing/2014/main" id="{DA449E99-78B2-4F7C-B35C-CED046375AB0}"/>
+                <a16:creationId xmlns:a16="http://schemas.microsoft.com/office/drawing/2014/main" id="{63BC6903-C3E1-49AC-BE32-5D699A97C02B}"/>
               </a:ext>
             </a:extLst>
           </p:cNvPr>
@@ -15682,7 +15834,7 @@
     </p:spTree>
     <p:extLst>
       <p:ext uri="{BB962C8B-B14F-4D97-AF65-F5344CB8AC3E}">
-        <p14:creationId xmlns:p14="http://schemas.microsoft.com/office/powerpoint/2010/main" val="2923189094"/>
+        <p14:creationId xmlns:p14="http://schemas.microsoft.com/office/powerpoint/2010/main" val="254811064"/>
       </p:ext>
     </p:extLst>
   </p:cSld>
@@ -15826,6 +15978,172 @@
           <p:cNvPr id="2" name="Titel 1">
             <a:extLst>
               <a:ext uri="{FF2B5EF4-FFF2-40B4-BE49-F238E27FC236}">
+                <a16:creationId xmlns:a16="http://schemas.microsoft.com/office/drawing/2014/main" id="{1A0641E7-B625-46E0-BA8F-DC5FEA6BA077}"/>
+              </a:ext>
+            </a:extLst>
+          </p:cNvPr>
+          <p:cNvSpPr>
+            <a:spLocks noGrp="1"/>
+          </p:cNvSpPr>
+          <p:nvPr>
+            <p:ph type="title"/>
+          </p:nvPr>
+        </p:nvSpPr>
+        <p:spPr/>
+        <p:txBody>
+          <a:bodyPr/>
+          <a:lstStyle/>
+          <a:p>
+            <a:r>
+              <a:rPr lang="de-DE" dirty="0"/>
+              <a:t>Praktischer Teil 2e)</a:t>
+            </a:r>
+          </a:p>
+        </p:txBody>
+      </p:sp>
+      <p:sp>
+        <p:nvSpPr>
+          <p:cNvPr id="3" name="Inhaltsplatzhalter 2">
+            <a:extLst>
+              <a:ext uri="{FF2B5EF4-FFF2-40B4-BE49-F238E27FC236}">
+                <a16:creationId xmlns:a16="http://schemas.microsoft.com/office/drawing/2014/main" id="{4AC94CD3-B462-458E-B8E3-BF157DF48F0C}"/>
+              </a:ext>
+            </a:extLst>
+          </p:cNvPr>
+          <p:cNvSpPr>
+            <a:spLocks noGrp="1"/>
+          </p:cNvSpPr>
+          <p:nvPr>
+            <p:ph idx="1"/>
+          </p:nvPr>
+        </p:nvSpPr>
+        <p:spPr/>
+        <p:txBody>
+          <a:bodyPr/>
+          <a:lstStyle/>
+          <a:p>
+            <a:endParaRPr lang="de-DE"/>
+          </a:p>
+        </p:txBody>
+      </p:sp>
+    </p:spTree>
+    <p:extLst>
+      <p:ext uri="{BB962C8B-B14F-4D97-AF65-F5344CB8AC3E}">
+        <p14:creationId xmlns:p14="http://schemas.microsoft.com/office/powerpoint/2010/main" val="613773826"/>
+      </p:ext>
+    </p:extLst>
+  </p:cSld>
+  <p:clrMapOvr>
+    <a:masterClrMapping/>
+  </p:clrMapOvr>
+</p:sld>
+</file>
+
+<file path=ppt/slides/slide21.xml><?xml version="1.0" encoding="utf-8"?>
+<p:sld xmlns:a="http://schemas.openxmlformats.org/drawingml/2006/main" xmlns:r="http://schemas.openxmlformats.org/officeDocument/2006/relationships" xmlns:p="http://schemas.openxmlformats.org/presentationml/2006/main">
+  <p:cSld>
+    <p:spTree>
+      <p:nvGrpSpPr>
+        <p:cNvPr id="1" name=""/>
+        <p:cNvGrpSpPr/>
+        <p:nvPr/>
+      </p:nvGrpSpPr>
+      <p:grpSpPr>
+        <a:xfrm>
+          <a:off x="0" y="0"/>
+          <a:ext cx="0" cy="0"/>
+          <a:chOff x="0" y="0"/>
+          <a:chExt cx="0" cy="0"/>
+        </a:xfrm>
+      </p:grpSpPr>
+      <p:sp>
+        <p:nvSpPr>
+          <p:cNvPr id="2" name="Titel 1">
+            <a:extLst>
+              <a:ext uri="{FF2B5EF4-FFF2-40B4-BE49-F238E27FC236}">
+                <a16:creationId xmlns:a16="http://schemas.microsoft.com/office/drawing/2014/main" id="{2024AF52-D2F0-4686-B055-E9B40C6D8563}"/>
+              </a:ext>
+            </a:extLst>
+          </p:cNvPr>
+          <p:cNvSpPr>
+            <a:spLocks noGrp="1"/>
+          </p:cNvSpPr>
+          <p:nvPr>
+            <p:ph type="title"/>
+          </p:nvPr>
+        </p:nvSpPr>
+        <p:spPr/>
+        <p:txBody>
+          <a:bodyPr/>
+          <a:lstStyle/>
+          <a:p>
+            <a:r>
+              <a:rPr lang="de-DE" dirty="0"/>
+              <a:t>Praktischer Teil 2f)</a:t>
+            </a:r>
+          </a:p>
+        </p:txBody>
+      </p:sp>
+      <p:sp>
+        <p:nvSpPr>
+          <p:cNvPr id="3" name="Inhaltsplatzhalter 2">
+            <a:extLst>
+              <a:ext uri="{FF2B5EF4-FFF2-40B4-BE49-F238E27FC236}">
+                <a16:creationId xmlns:a16="http://schemas.microsoft.com/office/drawing/2014/main" id="{DA449E99-78B2-4F7C-B35C-CED046375AB0}"/>
+              </a:ext>
+            </a:extLst>
+          </p:cNvPr>
+          <p:cNvSpPr>
+            <a:spLocks noGrp="1"/>
+          </p:cNvSpPr>
+          <p:nvPr>
+            <p:ph idx="1"/>
+          </p:nvPr>
+        </p:nvSpPr>
+        <p:spPr/>
+        <p:txBody>
+          <a:bodyPr/>
+          <a:lstStyle/>
+          <a:p>
+            <a:endParaRPr lang="de-DE"/>
+          </a:p>
+        </p:txBody>
+      </p:sp>
+    </p:spTree>
+    <p:extLst>
+      <p:ext uri="{BB962C8B-B14F-4D97-AF65-F5344CB8AC3E}">
+        <p14:creationId xmlns:p14="http://schemas.microsoft.com/office/powerpoint/2010/main" val="2923189094"/>
+      </p:ext>
+    </p:extLst>
+  </p:cSld>
+  <p:clrMapOvr>
+    <a:masterClrMapping/>
+  </p:clrMapOvr>
+</p:sld>
+</file>
+
+<file path=ppt/slides/slide22.xml><?xml version="1.0" encoding="utf-8"?>
+<p:sld xmlns:a="http://schemas.openxmlformats.org/drawingml/2006/main" xmlns:r="http://schemas.openxmlformats.org/officeDocument/2006/relationships" xmlns:p="http://schemas.openxmlformats.org/presentationml/2006/main">
+  <p:cSld>
+    <p:spTree>
+      <p:nvGrpSpPr>
+        <p:cNvPr id="1" name=""/>
+        <p:cNvGrpSpPr/>
+        <p:nvPr/>
+      </p:nvGrpSpPr>
+      <p:grpSpPr>
+        <a:xfrm>
+          <a:off x="0" y="0"/>
+          <a:ext cx="0" cy="0"/>
+          <a:chOff x="0" y="0"/>
+          <a:chExt cx="0" cy="0"/>
+        </a:xfrm>
+      </p:grpSpPr>
+      <p:sp>
+        <p:nvSpPr>
+          <p:cNvPr id="2" name="Titel 1">
+            <a:extLst>
+              <a:ext uri="{FF2B5EF4-FFF2-40B4-BE49-F238E27FC236}">
                 <a16:creationId xmlns:a16="http://schemas.microsoft.com/office/drawing/2014/main" id="{3E3EAAAD-3412-4927-8B07-540F733DE14F}"/>
               </a:ext>
             </a:extLst>
@@ -16545,7 +16863,7 @@
           <a:p>
             <a:r>
               <a:rPr lang="de-DE" dirty="0"/>
-              <a:t>Theoretischer Teil 1B) Part 1</a:t>
+              <a:t>Theoretischer Teil 1B)</a:t>
             </a:r>
           </a:p>
         </p:txBody>
@@ -16566,15 +16884,123 @@
             <p:ph idx="1"/>
           </p:nvPr>
         </p:nvSpPr>
-        <p:spPr/>
-        <p:txBody>
-          <a:bodyPr/>
+        <p:spPr>
+          <a:xfrm>
+            <a:off x="1141412" y="2249486"/>
+            <a:ext cx="9905999" cy="4120491"/>
+          </a:xfrm>
+        </p:spPr>
+        <p:txBody>
+          <a:bodyPr>
+            <a:normAutofit/>
+          </a:bodyPr>
           <a:lstStyle/>
           <a:p>
             <a:r>
+              <a:rPr lang="de-DE" b="1" dirty="0"/>
+              <a:t>Ist der Algorithmus </a:t>
+            </a:r>
+            <a:r>
+              <a:rPr lang="de-DE" b="1" dirty="0" err="1"/>
+              <a:t>sound</a:t>
+            </a:r>
+            <a:r>
+              <a:rPr lang="de-DE" b="1" dirty="0"/>
+              <a:t> und </a:t>
+            </a:r>
+            <a:r>
+              <a:rPr lang="de-DE" b="1" dirty="0" err="1"/>
+              <a:t>complete</a:t>
+            </a:r>
+            <a:r>
+              <a:rPr lang="de-DE" b="1" dirty="0"/>
+              <a:t>?</a:t>
+            </a:r>
+          </a:p>
+          <a:p>
+            <a:r>
               <a:rPr lang="de-DE" dirty="0"/>
-              <a:t>Wie kann ein Lösung aus p</a:t>
-            </a:r>
+              <a:t>Für ein p wird jedes Simple </a:t>
+            </a:r>
+            <a:r>
+              <a:rPr lang="de-DE" dirty="0" err="1"/>
+              <a:t>Constraint</a:t>
+            </a:r>
+            <a:r>
+              <a:rPr lang="de-DE" dirty="0"/>
+              <a:t> auf True, </a:t>
+            </a:r>
+            <a:r>
+              <a:rPr lang="de-DE" dirty="0" err="1"/>
+              <a:t>False</a:t>
+            </a:r>
+            <a:r>
+              <a:rPr lang="de-DE" dirty="0"/>
+              <a:t> oder </a:t>
+            </a:r>
+            <a:r>
+              <a:rPr lang="de-DE" dirty="0" err="1"/>
+              <a:t>Inconclusive</a:t>
+            </a:r>
+            <a:r>
+              <a:rPr lang="de-DE" dirty="0"/>
+              <a:t> geprüft</a:t>
+            </a:r>
+          </a:p>
+          <a:p>
+            <a:r>
+              <a:rPr lang="de-DE" dirty="0"/>
+              <a:t>Die Unterintervalle p‘ und p‘‘ bilden p vollständig ab</a:t>
+            </a:r>
+          </a:p>
+          <a:p>
+            <a:r>
+              <a:rPr lang="de-DE" dirty="0"/>
+              <a:t>p enthält im </a:t>
+            </a:r>
+            <a:r>
+              <a:rPr lang="de-DE" dirty="0" err="1"/>
+              <a:t>Worst</a:t>
+            </a:r>
+            <a:r>
+              <a:rPr lang="de-DE" dirty="0"/>
+              <a:t> Case einen Wert</a:t>
+            </a:r>
+          </a:p>
+          <a:p>
+            <a:pPr lvl="1"/>
+            <a:r>
+              <a:rPr lang="de-DE" dirty="0"/>
+              <a:t>p kann nicht </a:t>
+            </a:r>
+            <a:r>
+              <a:rPr lang="de-DE" dirty="0" err="1"/>
+              <a:t>inconclusive</a:t>
+            </a:r>
+            <a:r>
+              <a:rPr lang="de-DE" dirty="0"/>
+              <a:t> sein</a:t>
+            </a:r>
+          </a:p>
+          <a:p>
+            <a:pPr lvl="1"/>
+            <a:r>
+              <a:rPr lang="de-DE" dirty="0"/>
+              <a:t>p kann nicht aufgesplittet werden</a:t>
+            </a:r>
+          </a:p>
+          <a:p>
+            <a:pPr lvl="1"/>
+            <a:r>
+              <a:rPr lang="de-DE" dirty="0"/>
+              <a:t>p wird vollständig geprüft</a:t>
+            </a:r>
+          </a:p>
+          <a:p>
+            <a:endParaRPr lang="de-DE" dirty="0"/>
+          </a:p>
+          <a:p>
+            <a:endParaRPr lang="de-DE" b="1" dirty="0"/>
           </a:p>
         </p:txBody>
       </p:sp>
@@ -16613,7 +17039,7 @@
           <p:cNvPr id="2" name="Titel 1">
             <a:extLst>
               <a:ext uri="{FF2B5EF4-FFF2-40B4-BE49-F238E27FC236}">
-                <a16:creationId xmlns:a16="http://schemas.microsoft.com/office/drawing/2014/main" id="{C51A601D-D48F-41C2-8065-927A797146E0}"/>
+                <a16:creationId xmlns:a16="http://schemas.microsoft.com/office/drawing/2014/main" id="{97145F8E-5138-4A86-9BB6-E8F9FE207973}"/>
               </a:ext>
             </a:extLst>
           </p:cNvPr>
@@ -16631,7 +17057,7 @@
           <a:p>
             <a:r>
               <a:rPr lang="de-DE" dirty="0"/>
-              <a:t>Theoretischer Teil 1B) Part 2</a:t>
+              <a:t>Theoretischer Teil 1C)</a:t>
             </a:r>
           </a:p>
         </p:txBody>
@@ -16641,7 +17067,7 @@
           <p:cNvPr id="3" name="Inhaltsplatzhalter 2">
             <a:extLst>
               <a:ext uri="{FF2B5EF4-FFF2-40B4-BE49-F238E27FC236}">
-                <a16:creationId xmlns:a16="http://schemas.microsoft.com/office/drawing/2014/main" id="{C53363A5-D2C0-4E75-AF32-879966A9D3B3}"/>
+                <a16:creationId xmlns:a16="http://schemas.microsoft.com/office/drawing/2014/main" id="{80E7D77F-9FEF-4D25-9C73-3D48B1CA692D}"/>
               </a:ext>
             </a:extLst>
           </p:cNvPr>
@@ -16657,14 +17083,61 @@
           <a:bodyPr/>
           <a:lstStyle/>
           <a:p>
-            <a:endParaRPr lang="de-DE"/>
+            <a:r>
+              <a:rPr lang="de-DE" b="1" dirty="0"/>
+              <a:t>Warum ist </a:t>
+            </a:r>
+            <a:r>
+              <a:rPr lang="de-DE" b="1" dirty="0" err="1"/>
+              <a:t>Constraint</a:t>
+            </a:r>
+            <a:r>
+              <a:rPr lang="de-DE" b="1" dirty="0"/>
+              <a:t> </a:t>
+            </a:r>
+            <a:r>
+              <a:rPr lang="de-DE" b="1" dirty="0" err="1"/>
+              <a:t>Solving</a:t>
+            </a:r>
+            <a:r>
+              <a:rPr lang="de-DE" b="1" dirty="0"/>
+              <a:t> NP-</a:t>
+            </a:r>
+            <a:r>
+              <a:rPr lang="de-DE" b="1" dirty="0" err="1"/>
+              <a:t>Complete</a:t>
+            </a:r>
+            <a:r>
+              <a:rPr lang="de-DE" b="1" dirty="0"/>
+              <a:t> in diesem Kontext?</a:t>
+            </a:r>
+          </a:p>
+          <a:p>
+            <a:r>
+              <a:rPr lang="de-DE" dirty="0"/>
+              <a:t>Zu beweisen:</a:t>
+            </a:r>
+          </a:p>
+          <a:p>
+            <a:pPr lvl="1"/>
+            <a:r>
+              <a:rPr lang="de-DE" dirty="0"/>
+              <a:t>A) CS ist Element NP</a:t>
+            </a:r>
+          </a:p>
+          <a:p>
+            <a:pPr lvl="1"/>
+            <a:r>
+              <a:rPr lang="de-DE" dirty="0"/>
+              <a:t>B) CS ist Element NP-Schwer</a:t>
+            </a:r>
           </a:p>
         </p:txBody>
       </p:sp>
     </p:spTree>
     <p:extLst>
       <p:ext uri="{BB962C8B-B14F-4D97-AF65-F5344CB8AC3E}">
-        <p14:creationId xmlns:p14="http://schemas.microsoft.com/office/powerpoint/2010/main" val="1871897138"/>
+        <p14:creationId xmlns:p14="http://schemas.microsoft.com/office/powerpoint/2010/main" val="149333540"/>
       </p:ext>
     </p:extLst>
   </p:cSld>
@@ -16696,7 +17169,7 @@
           <p:cNvPr id="2" name="Titel 1">
             <a:extLst>
               <a:ext uri="{FF2B5EF4-FFF2-40B4-BE49-F238E27FC236}">
-                <a16:creationId xmlns:a16="http://schemas.microsoft.com/office/drawing/2014/main" id="{97145F8E-5138-4A86-9BB6-E8F9FE207973}"/>
+                <a16:creationId xmlns:a16="http://schemas.microsoft.com/office/drawing/2014/main" id="{4C7C64C1-1D9A-48D5-B66E-23BDB8341684}"/>
               </a:ext>
             </a:extLst>
           </p:cNvPr>
@@ -16713,8 +17186,20 @@
           <a:lstStyle/>
           <a:p>
             <a:r>
+              <a:rPr lang="de-DE" dirty="0" err="1"/>
+              <a:t>Constraint</a:t>
+            </a:r>
+            <a:r>
               <a:rPr lang="de-DE" dirty="0"/>
-              <a:t>Theoretischer Teil 1C)</a:t>
+              <a:t> </a:t>
+            </a:r>
+            <a:r>
+              <a:rPr lang="de-DE" dirty="0" err="1"/>
+              <a:t>Solving</a:t>
+            </a:r>
+            <a:r>
+              <a:rPr lang="de-DE" dirty="0"/>
+              <a:t> ist Element NP</a:t>
             </a:r>
           </a:p>
         </p:txBody>
@@ -16724,7 +17209,7 @@
           <p:cNvPr id="3" name="Inhaltsplatzhalter 2">
             <a:extLst>
               <a:ext uri="{FF2B5EF4-FFF2-40B4-BE49-F238E27FC236}">
-                <a16:creationId xmlns:a16="http://schemas.microsoft.com/office/drawing/2014/main" id="{80E7D77F-9FEF-4D25-9C73-3D48B1CA692D}"/>
+                <a16:creationId xmlns:a16="http://schemas.microsoft.com/office/drawing/2014/main" id="{789A9A94-92DE-4F02-8045-B9C4910062F7}"/>
               </a:ext>
             </a:extLst>
           </p:cNvPr>
@@ -16740,14 +17225,73 @@
           <a:bodyPr/>
           <a:lstStyle/>
           <a:p>
-            <a:endParaRPr lang="de-DE"/>
+            <a:r>
+              <a:rPr lang="de-DE" dirty="0"/>
+              <a:t>Bestimmung der Komplexitätsklasse O(CS)</a:t>
+            </a:r>
+          </a:p>
+          <a:p>
+            <a:r>
+              <a:rPr lang="de-DE" dirty="0"/>
+              <a:t>Ein CSP besteht aus 1..n </a:t>
+            </a:r>
+            <a:r>
+              <a:rPr lang="de-DE" dirty="0" err="1"/>
+              <a:t>Constraints</a:t>
+            </a:r>
+            <a:r>
+              <a:rPr lang="de-DE" dirty="0"/>
+              <a:t> mit m1..mn Bounds</a:t>
+            </a:r>
+          </a:p>
+          <a:p>
+            <a:r>
+              <a:rPr lang="de-DE" dirty="0"/>
+              <a:t>Prüfung eines einzelnen Simple </a:t>
+            </a:r>
+            <a:r>
+              <a:rPr lang="de-DE" dirty="0" err="1"/>
+              <a:t>Constraint</a:t>
+            </a:r>
+            <a:r>
+              <a:rPr lang="de-DE" dirty="0"/>
+              <a:t> für ein Intervall liegt in O(m)</a:t>
+            </a:r>
+          </a:p>
+          <a:p>
+            <a:r>
+              <a:rPr lang="de-DE" dirty="0"/>
+              <a:t>Prüfung aller Simple </a:t>
+            </a:r>
+            <a:r>
+              <a:rPr lang="de-DE" dirty="0" err="1"/>
+              <a:t>Constraints</a:t>
+            </a:r>
+            <a:r>
+              <a:rPr lang="de-DE" dirty="0"/>
+              <a:t> für ein Intervall liegt in O(n²)</a:t>
+            </a:r>
+          </a:p>
+          <a:p>
+            <a:r>
+              <a:rPr lang="de-DE" dirty="0"/>
+              <a:t>Prüfung aller Simple </a:t>
+            </a:r>
+            <a:r>
+              <a:rPr lang="de-DE" dirty="0" err="1"/>
+              <a:t>Constraints</a:t>
+            </a:r>
+            <a:r>
+              <a:rPr lang="de-DE" dirty="0"/>
+              <a:t> für alle Werte liegt in O(n³)</a:t>
+            </a:r>
           </a:p>
         </p:txBody>
       </p:sp>
     </p:spTree>
     <p:extLst>
       <p:ext uri="{BB962C8B-B14F-4D97-AF65-F5344CB8AC3E}">
-        <p14:creationId xmlns:p14="http://schemas.microsoft.com/office/powerpoint/2010/main" val="149333540"/>
+        <p14:creationId xmlns:p14="http://schemas.microsoft.com/office/powerpoint/2010/main" val="1028217163"/>
       </p:ext>
     </p:extLst>
   </p:cSld>
@@ -16779,7 +17323,7 @@
           <p:cNvPr id="2" name="Titel 1">
             <a:extLst>
               <a:ext uri="{FF2B5EF4-FFF2-40B4-BE49-F238E27FC236}">
-                <a16:creationId xmlns:a16="http://schemas.microsoft.com/office/drawing/2014/main" id="{A49A1DAD-DBFC-471C-862A-A1D704CAD3D3}"/>
+                <a16:creationId xmlns:a16="http://schemas.microsoft.com/office/drawing/2014/main" id="{567A56B9-9279-4D80-B070-77E3A0011730}"/>
               </a:ext>
             </a:extLst>
           </p:cNvPr>
@@ -16796,8 +17340,20 @@
           <a:lstStyle/>
           <a:p>
             <a:r>
+              <a:rPr lang="de-DE" dirty="0" err="1"/>
+              <a:t>Constraint</a:t>
+            </a:r>
+            <a:r>
               <a:rPr lang="de-DE" dirty="0"/>
-              <a:t>Theoretischer Teil 1D) i)</a:t>
+              <a:t> </a:t>
+            </a:r>
+            <a:r>
+              <a:rPr lang="de-DE" dirty="0" err="1"/>
+              <a:t>Solving</a:t>
+            </a:r>
+            <a:r>
+              <a:rPr lang="de-DE" dirty="0"/>
+              <a:t> ist NP-Schwer</a:t>
             </a:r>
           </a:p>
         </p:txBody>
@@ -16807,7 +17363,7 @@
           <p:cNvPr id="3" name="Inhaltsplatzhalter 2">
             <a:extLst>
               <a:ext uri="{FF2B5EF4-FFF2-40B4-BE49-F238E27FC236}">
-                <a16:creationId xmlns:a16="http://schemas.microsoft.com/office/drawing/2014/main" id="{D1B0A858-DAC5-4B3A-AED3-CCD65C9F2A9A}"/>
+                <a16:creationId xmlns:a16="http://schemas.microsoft.com/office/drawing/2014/main" id="{CE54BA55-FF16-4478-8B30-504ABE3F047F}"/>
               </a:ext>
             </a:extLst>
           </p:cNvPr>
@@ -16818,19 +17374,91 @@
             <p:ph idx="1"/>
           </p:nvPr>
         </p:nvSpPr>
-        <p:spPr/>
-        <p:txBody>
-          <a:bodyPr/>
+        <p:spPr>
+          <a:xfrm>
+            <a:off x="1141412" y="2249486"/>
+            <a:ext cx="10108790" cy="3647879"/>
+          </a:xfrm>
+        </p:spPr>
+        <p:txBody>
+          <a:bodyPr>
+            <a:normAutofit/>
+          </a:bodyPr>
           <a:lstStyle/>
           <a:p>
-            <a:endParaRPr lang="de-DE"/>
+            <a:r>
+              <a:rPr lang="de-DE" dirty="0"/>
+              <a:t>Reduktion von CS auf leichteres CSP, welches in NP liegt</a:t>
+            </a:r>
+          </a:p>
+          <a:p>
+            <a:r>
+              <a:rPr lang="de-DE" dirty="0"/>
+              <a:t>Reduktion von CS auf CSP P1</a:t>
+            </a:r>
+          </a:p>
+          <a:p>
+            <a:pPr lvl="1"/>
+            <a:r>
+              <a:rPr lang="de-DE" dirty="0"/>
+              <a:t>1 </a:t>
+            </a:r>
+            <a:r>
+              <a:rPr lang="de-DE" dirty="0" err="1"/>
+              <a:t>Constraint</a:t>
+            </a:r>
+            <a:r>
+              <a:rPr lang="de-DE" dirty="0"/>
+              <a:t> mit n Simple Bounds</a:t>
+            </a:r>
+          </a:p>
+          <a:p>
+            <a:pPr lvl="1"/>
+            <a:r>
+              <a:rPr lang="de-DE" dirty="0"/>
+              <a:t>Lösung über Algorithmus A</a:t>
+            </a:r>
+          </a:p>
+          <a:p>
+            <a:r>
+              <a:rPr lang="de-DE" dirty="0"/>
+              <a:t>A baut einen Baum mit max. log(#p) Intervallhalbierungen auf mit O(log(n))</a:t>
+            </a:r>
+          </a:p>
+          <a:p>
+            <a:r>
+              <a:rPr lang="de-DE" dirty="0"/>
+              <a:t>Im </a:t>
+            </a:r>
+            <a:r>
+              <a:rPr lang="de-DE" dirty="0" err="1"/>
+              <a:t>Worst</a:t>
+            </a:r>
+            <a:r>
+              <a:rPr lang="de-DE" dirty="0"/>
+              <a:t> Case muss weiterhin jeder Wert in p geprüft werden, daher O(</a:t>
+            </a:r>
+            <a:r>
+              <a:rPr lang="de-DE" dirty="0" err="1"/>
+              <a:t>nlog</a:t>
+            </a:r>
+            <a:r>
+              <a:rPr lang="de-DE" dirty="0"/>
+              <a:t>(n))</a:t>
+            </a:r>
+          </a:p>
+          <a:p>
+            <a:r>
+              <a:rPr lang="de-DE" dirty="0"/>
+              <a:t>Durchführung von jedem Simple Bound führt zu O(n²(log(n))</a:t>
+            </a:r>
           </a:p>
         </p:txBody>
       </p:sp>
     </p:spTree>
     <p:extLst>
       <p:ext uri="{BB962C8B-B14F-4D97-AF65-F5344CB8AC3E}">
-        <p14:creationId xmlns:p14="http://schemas.microsoft.com/office/powerpoint/2010/main" val="1916389039"/>
+        <p14:creationId xmlns:p14="http://schemas.microsoft.com/office/powerpoint/2010/main" val="1830422476"/>
       </p:ext>
     </p:extLst>
   </p:cSld>
